--- a/modulo-02/Tarefa 2/Modelo de Apresentação - Crescer 2017-1.pptx
+++ b/modulo-02/Tarefa 2/Modelo de Apresentação - Crescer 2017-1.pptx
@@ -1,25 +1,27 @@
 
 <file path=ppt/presentation.xml><?xml version="1.0" encoding="utf-8"?>
-<p:presentation xmlns:a="http://schemas.openxmlformats.org/drawingml/2006/main" xmlns:r="http://schemas.openxmlformats.org/officeDocument/2006/relationships" xmlns:mc="http://schemas.openxmlformats.org/markup-compatibility/2006" xmlns:mv="urn:schemas-microsoft-com:mac:vml" xmlns:p="http://schemas.openxmlformats.org/presentationml/2006/main" xmlns:c="http://schemas.openxmlformats.org/drawingml/2006/chart" xmlns:dgm="http://schemas.openxmlformats.org/drawingml/2006/diagram" xmlns:o="urn:schemas-microsoft-com:office:office" xmlns:v="urn:schemas-microsoft-com:vml" xmlns:pvml="urn:schemas-microsoft-com:office:powerpoint" xmlns:com="http://schemas.openxmlformats.org/drawingml/2006/compatibility" xmlns:p14="http://schemas.microsoft.com/office/powerpoint/2010/main" autoCompressPictures="0" strictFirstAndLastChars="0" saveSubsetFonts="1">
+<p:presentation xmlns:a="http://schemas.openxmlformats.org/drawingml/2006/main" xmlns:r="http://schemas.openxmlformats.org/officeDocument/2006/relationships" xmlns:p="http://schemas.openxmlformats.org/presentationml/2006/main" strictFirstAndLastChars="0" saveSubsetFonts="1" autoCompressPictures="0">
   <p:sldMasterIdLst>
-    <p:sldMasterId id="2147483654" r:id="rId3"/>
+    <p:sldMasterId id="2147483654" r:id="rId1"/>
   </p:sldMasterIdLst>
   <p:notesMasterIdLst>
-    <p:notesMasterId r:id="rId4"/>
+    <p:notesMasterId r:id="rId11"/>
   </p:notesMasterIdLst>
   <p:sldIdLst>
-    <p:sldId id="256" r:id="rId5"/>
-    <p:sldId id="257" r:id="rId6"/>
-    <p:sldId id="258" r:id="rId7"/>
-    <p:sldId id="259" r:id="rId8"/>
-    <p:sldId id="260" r:id="rId9"/>
-    <p:sldId id="261" r:id="rId10"/>
-    <p:sldId id="262" r:id="rId11"/>
+    <p:sldId id="256" r:id="rId2"/>
+    <p:sldId id="257" r:id="rId3"/>
+    <p:sldId id="258" r:id="rId4"/>
+    <p:sldId id="259" r:id="rId5"/>
+    <p:sldId id="263" r:id="rId6"/>
+    <p:sldId id="260" r:id="rId7"/>
+    <p:sldId id="264" r:id="rId8"/>
+    <p:sldId id="261" r:id="rId9"/>
+    <p:sldId id="265" r:id="rId10"/>
   </p:sldIdLst>
-  <p:sldSz cy="5143500" cx="9144000"/>
+  <p:sldSz cx="9144000" cy="5143500" type="screen16x9"/>
   <p:notesSz cx="6858000" cy="9144000"/>
   <p:defaultTextStyle>
-    <a:defPPr lvl="0" marR="0" rtl="0" algn="l">
+    <a:defPPr marR="0" lvl="0" algn="l" rtl="0">
       <a:lnSpc>
         <a:spcPct val="100000"/>
       </a:lnSpc>
@@ -30,7 +32,7 @@
         <a:spcPts val="0"/>
       </a:spcAft>
     </a:defPPr>
-    <a:lvl1pPr lvl="0" marR="0" rtl="0" algn="l">
+    <a:lvl1pPr marR="0" lvl="0" algn="l" rtl="0">
       <a:lnSpc>
         <a:spcPct val="100000"/>
       </a:lnSpc>
@@ -41,7 +43,7 @@
         <a:spcPts val="0"/>
       </a:spcAft>
       <a:buNone/>
-      <a:defRPr b="0" i="0" sz="1400" u="none" cap="none" strike="noStrike">
+      <a:defRPr sz="1400" b="0" i="0" u="none" strike="noStrike" cap="none">
         <a:solidFill>
           <a:srgbClr val="000000"/>
         </a:solidFill>
@@ -51,7 +53,7 @@
         <a:sym typeface="Arial"/>
       </a:defRPr>
     </a:lvl1pPr>
-    <a:lvl2pPr lvl="1" marR="0" rtl="0" algn="l">
+    <a:lvl2pPr marR="0" lvl="1" algn="l" rtl="0">
       <a:lnSpc>
         <a:spcPct val="100000"/>
       </a:lnSpc>
@@ -62,7 +64,7 @@
         <a:spcPts val="0"/>
       </a:spcAft>
       <a:buNone/>
-      <a:defRPr b="0" i="0" sz="1400" u="none" cap="none" strike="noStrike">
+      <a:defRPr sz="1400" b="0" i="0" u="none" strike="noStrike" cap="none">
         <a:solidFill>
           <a:srgbClr val="000000"/>
         </a:solidFill>
@@ -72,7 +74,7 @@
         <a:sym typeface="Arial"/>
       </a:defRPr>
     </a:lvl2pPr>
-    <a:lvl3pPr lvl="2" marR="0" rtl="0" algn="l">
+    <a:lvl3pPr marR="0" lvl="2" algn="l" rtl="0">
       <a:lnSpc>
         <a:spcPct val="100000"/>
       </a:lnSpc>
@@ -83,7 +85,7 @@
         <a:spcPts val="0"/>
       </a:spcAft>
       <a:buNone/>
-      <a:defRPr b="0" i="0" sz="1400" u="none" cap="none" strike="noStrike">
+      <a:defRPr sz="1400" b="0" i="0" u="none" strike="noStrike" cap="none">
         <a:solidFill>
           <a:srgbClr val="000000"/>
         </a:solidFill>
@@ -93,7 +95,7 @@
         <a:sym typeface="Arial"/>
       </a:defRPr>
     </a:lvl3pPr>
-    <a:lvl4pPr lvl="3" marR="0" rtl="0" algn="l">
+    <a:lvl4pPr marR="0" lvl="3" algn="l" rtl="0">
       <a:lnSpc>
         <a:spcPct val="100000"/>
       </a:lnSpc>
@@ -104,7 +106,7 @@
         <a:spcPts val="0"/>
       </a:spcAft>
       <a:buNone/>
-      <a:defRPr b="0" i="0" sz="1400" u="none" cap="none" strike="noStrike">
+      <a:defRPr sz="1400" b="0" i="0" u="none" strike="noStrike" cap="none">
         <a:solidFill>
           <a:srgbClr val="000000"/>
         </a:solidFill>
@@ -114,7 +116,7 @@
         <a:sym typeface="Arial"/>
       </a:defRPr>
     </a:lvl4pPr>
-    <a:lvl5pPr lvl="4" marR="0" rtl="0" algn="l">
+    <a:lvl5pPr marR="0" lvl="4" algn="l" rtl="0">
       <a:lnSpc>
         <a:spcPct val="100000"/>
       </a:lnSpc>
@@ -125,7 +127,7 @@
         <a:spcPts val="0"/>
       </a:spcAft>
       <a:buNone/>
-      <a:defRPr b="0" i="0" sz="1400" u="none" cap="none" strike="noStrike">
+      <a:defRPr sz="1400" b="0" i="0" u="none" strike="noStrike" cap="none">
         <a:solidFill>
           <a:srgbClr val="000000"/>
         </a:solidFill>
@@ -135,7 +137,7 @@
         <a:sym typeface="Arial"/>
       </a:defRPr>
     </a:lvl5pPr>
-    <a:lvl6pPr lvl="5" marR="0" rtl="0" algn="l">
+    <a:lvl6pPr marR="0" lvl="5" algn="l" rtl="0">
       <a:lnSpc>
         <a:spcPct val="100000"/>
       </a:lnSpc>
@@ -146,7 +148,7 @@
         <a:spcPts val="0"/>
       </a:spcAft>
       <a:buNone/>
-      <a:defRPr b="0" i="0" sz="1400" u="none" cap="none" strike="noStrike">
+      <a:defRPr sz="1400" b="0" i="0" u="none" strike="noStrike" cap="none">
         <a:solidFill>
           <a:srgbClr val="000000"/>
         </a:solidFill>
@@ -156,7 +158,7 @@
         <a:sym typeface="Arial"/>
       </a:defRPr>
     </a:lvl6pPr>
-    <a:lvl7pPr lvl="6" marR="0" rtl="0" algn="l">
+    <a:lvl7pPr marR="0" lvl="6" algn="l" rtl="0">
       <a:lnSpc>
         <a:spcPct val="100000"/>
       </a:lnSpc>
@@ -167,7 +169,7 @@
         <a:spcPts val="0"/>
       </a:spcAft>
       <a:buNone/>
-      <a:defRPr b="0" i="0" sz="1400" u="none" cap="none" strike="noStrike">
+      <a:defRPr sz="1400" b="0" i="0" u="none" strike="noStrike" cap="none">
         <a:solidFill>
           <a:srgbClr val="000000"/>
         </a:solidFill>
@@ -177,7 +179,7 @@
         <a:sym typeface="Arial"/>
       </a:defRPr>
     </a:lvl7pPr>
-    <a:lvl8pPr lvl="7" marR="0" rtl="0" algn="l">
+    <a:lvl8pPr marR="0" lvl="7" algn="l" rtl="0">
       <a:lnSpc>
         <a:spcPct val="100000"/>
       </a:lnSpc>
@@ -188,7 +190,7 @@
         <a:spcPts val="0"/>
       </a:spcAft>
       <a:buNone/>
-      <a:defRPr b="0" i="0" sz="1400" u="none" cap="none" strike="noStrike">
+      <a:defRPr sz="1400" b="0" i="0" u="none" strike="noStrike" cap="none">
         <a:solidFill>
           <a:srgbClr val="000000"/>
         </a:solidFill>
@@ -198,7 +200,7 @@
         <a:sym typeface="Arial"/>
       </a:defRPr>
     </a:lvl8pPr>
-    <a:lvl9pPr lvl="8" marR="0" rtl="0" algn="l">
+    <a:lvl9pPr marR="0" lvl="8" algn="l" rtl="0">
       <a:lnSpc>
         <a:spcPct val="100000"/>
       </a:lnSpc>
@@ -209,7 +211,7 @@
         <a:spcPts val="0"/>
       </a:spcAft>
       <a:buNone/>
-      <a:defRPr b="0" i="0" sz="1400" u="none" cap="none" strike="noStrike">
+      <a:defRPr sz="1400" b="0" i="0" u="none" strike="noStrike" cap="none">
         <a:solidFill>
           <a:srgbClr val="000000"/>
         </a:solidFill>
@@ -223,12 +225,21 @@
 </p:presentation>
 </file>
 
+<file path=ppt/revisionInfo.xml><?xml version="1.0" encoding="utf-8"?>
+<p1510:revInfo xmlns:a="http://schemas.openxmlformats.org/drawingml/2006/main" xmlns:r="http://schemas.openxmlformats.org/officeDocument/2006/relationships" xmlns:p1510="http://schemas.microsoft.com/office/powerpoint/2015/10/main"/>
+</file>
+
 <file path=ppt/notesMasters/notesMaster1.xml><?xml version="1.0" encoding="utf-8"?>
-<p:notesMaster xmlns:a="http://schemas.openxmlformats.org/drawingml/2006/main" xmlns:r="http://schemas.openxmlformats.org/officeDocument/2006/relationships" xmlns:mc="http://schemas.openxmlformats.org/markup-compatibility/2006" xmlns:mv="urn:schemas-microsoft-com:mac:vml" xmlns:p="http://schemas.openxmlformats.org/presentationml/2006/main" xmlns:c="http://schemas.openxmlformats.org/drawingml/2006/chart" xmlns:dgm="http://schemas.openxmlformats.org/drawingml/2006/diagram" xmlns:o="urn:schemas-microsoft-com:office:office" xmlns:v="urn:schemas-microsoft-com:vml" xmlns:pvml="urn:schemas-microsoft-com:office:powerpoint" xmlns:com="http://schemas.openxmlformats.org/drawingml/2006/compatibility" xmlns:p14="http://schemas.microsoft.com/office/powerpoint/2010/main">
+<p:notesMaster xmlns:a="http://schemas.openxmlformats.org/drawingml/2006/main" xmlns:r="http://schemas.openxmlformats.org/officeDocument/2006/relationships" xmlns:p="http://schemas.openxmlformats.org/presentationml/2006/main">
   <p:cSld>
+    <p:bg>
+      <p:bgRef idx="1001">
+        <a:schemeClr val="bg1"/>
+      </p:bgRef>
+    </p:bg>
     <p:spTree>
       <p:nvGrpSpPr>
-        <p:cNvPr id="2" name="Shape 2"/>
+        <p:cNvPr id="1" name="Shape 2"/>
         <p:cNvGrpSpPr/>
         <p:nvPr/>
       </p:nvGrpSpPr>
@@ -243,9 +254,11 @@
       <p:sp>
         <p:nvSpPr>
           <p:cNvPr id="3" name="Shape 3"/>
-          <p:cNvSpPr/>
+          <p:cNvSpPr>
+            <a:spLocks noGrp="1" noRot="1" noChangeAspect="1"/>
+          </p:cNvSpPr>
           <p:nvPr>
-            <p:ph idx="2" type="sldImg"/>
+            <p:ph type="sldImg" idx="2"/>
           </p:nvPr>
         </p:nvSpPr>
         <p:spPr>
@@ -254,8 +267,13 @@
             <a:ext cx="6096299" cy="3429000"/>
           </a:xfrm>
           <a:custGeom>
+            <a:avLst/>
+            <a:gdLst/>
+            <a:ahLst/>
+            <a:cxnLst/>
+            <a:rect l="0" t="0" r="0" b="0"/>
             <a:pathLst>
-              <a:path extrusionOk="0" h="120000" w="120000">
+              <a:path w="120000" h="120000" extrusionOk="0">
                 <a:moveTo>
                   <a:pt x="0" y="0"/>
                 </a:moveTo>
@@ -273,23 +291,25 @@
             </a:pathLst>
           </a:custGeom>
           <a:noFill/>
-          <a:ln cap="flat" cmpd="sng" w="9525">
+          <a:ln w="9525" cap="flat" cmpd="sng">
             <a:solidFill>
               <a:srgbClr val="000000"/>
             </a:solidFill>
             <a:prstDash val="solid"/>
             <a:round/>
-            <a:headEnd len="med" w="med" type="none"/>
-            <a:tailEnd len="med" w="med" type="none"/>
+            <a:headEnd type="none" w="med" len="med"/>
+            <a:tailEnd type="none" w="med" len="med"/>
           </a:ln>
         </p:spPr>
       </p:sp>
       <p:sp>
         <p:nvSpPr>
           <p:cNvPr id="4" name="Shape 4"/>
-          <p:cNvSpPr txBox="1"/>
+          <p:cNvSpPr txBox="1">
+            <a:spLocks noGrp="1"/>
+          </p:cNvSpPr>
           <p:nvPr>
-            <p:ph idx="1" type="body"/>
+            <p:ph type="body" idx="1"/>
           </p:nvPr>
         </p:nvSpPr>
         <p:spPr>
@@ -306,7 +326,7 @@
           </a:ln>
         </p:spPr>
         <p:txBody>
-          <a:bodyPr anchorCtr="0" anchor="t" bIns="91425" lIns="91425" rIns="91425" tIns="91425"/>
+          <a:bodyPr lIns="91425" tIns="91425" rIns="91425" bIns="91425" anchor="t" anchorCtr="0"/>
           <a:lstStyle>
             <a:lvl1pPr lvl="0">
               <a:spcBef>
@@ -363,21 +383,115 @@
               <a:defRPr sz="1100"/>
             </a:lvl9pPr>
           </a:lstStyle>
-          <a:p/>
+          <a:p>
+            <a:endParaRPr/>
+          </a:p>
         </p:txBody>
       </p:sp>
     </p:spTree>
   </p:cSld>
-  <p:clrMap accent1="accent1" accent2="accent2" accent3="accent3" accent4="accent4" accent5="accent5" accent6="accent6" bg1="lt1" bg2="dk2" tx1="dk1" tx2="lt2" folHlink="folHlink" hlink="hlink"/>
+  <p:clrMap bg1="lt1" tx1="dk1" bg2="dk2" tx2="lt2" accent1="accent1" accent2="accent2" accent3="accent3" accent4="accent4" accent5="accent5" accent6="accent6" hlink="hlink" folHlink="folHlink"/>
+  <p:notesStyle>
+    <a:lvl1pPr marL="0" algn="l" defTabSz="914400" rtl="0" eaLnBrk="1" latinLnBrk="0" hangingPunct="1">
+      <a:defRPr sz="1200" kern="1200">
+        <a:solidFill>
+          <a:schemeClr val="tx1"/>
+        </a:solidFill>
+        <a:latin typeface="+mn-lt"/>
+        <a:ea typeface="+mn-ea"/>
+        <a:cs typeface="+mn-cs"/>
+      </a:defRPr>
+    </a:lvl1pPr>
+    <a:lvl2pPr marL="457200" algn="l" defTabSz="914400" rtl="0" eaLnBrk="1" latinLnBrk="0" hangingPunct="1">
+      <a:defRPr sz="1200" kern="1200">
+        <a:solidFill>
+          <a:schemeClr val="tx1"/>
+        </a:solidFill>
+        <a:latin typeface="+mn-lt"/>
+        <a:ea typeface="+mn-ea"/>
+        <a:cs typeface="+mn-cs"/>
+      </a:defRPr>
+    </a:lvl2pPr>
+    <a:lvl3pPr marL="914400" algn="l" defTabSz="914400" rtl="0" eaLnBrk="1" latinLnBrk="0" hangingPunct="1">
+      <a:defRPr sz="1200" kern="1200">
+        <a:solidFill>
+          <a:schemeClr val="tx1"/>
+        </a:solidFill>
+        <a:latin typeface="+mn-lt"/>
+        <a:ea typeface="+mn-ea"/>
+        <a:cs typeface="+mn-cs"/>
+      </a:defRPr>
+    </a:lvl3pPr>
+    <a:lvl4pPr marL="1371600" algn="l" defTabSz="914400" rtl="0" eaLnBrk="1" latinLnBrk="0" hangingPunct="1">
+      <a:defRPr sz="1200" kern="1200">
+        <a:solidFill>
+          <a:schemeClr val="tx1"/>
+        </a:solidFill>
+        <a:latin typeface="+mn-lt"/>
+        <a:ea typeface="+mn-ea"/>
+        <a:cs typeface="+mn-cs"/>
+      </a:defRPr>
+    </a:lvl4pPr>
+    <a:lvl5pPr marL="1828800" algn="l" defTabSz="914400" rtl="0" eaLnBrk="1" latinLnBrk="0" hangingPunct="1">
+      <a:defRPr sz="1200" kern="1200">
+        <a:solidFill>
+          <a:schemeClr val="tx1"/>
+        </a:solidFill>
+        <a:latin typeface="+mn-lt"/>
+        <a:ea typeface="+mn-ea"/>
+        <a:cs typeface="+mn-cs"/>
+      </a:defRPr>
+    </a:lvl5pPr>
+    <a:lvl6pPr marL="2286000" algn="l" defTabSz="914400" rtl="0" eaLnBrk="1" latinLnBrk="0" hangingPunct="1">
+      <a:defRPr sz="1200" kern="1200">
+        <a:solidFill>
+          <a:schemeClr val="tx1"/>
+        </a:solidFill>
+        <a:latin typeface="+mn-lt"/>
+        <a:ea typeface="+mn-ea"/>
+        <a:cs typeface="+mn-cs"/>
+      </a:defRPr>
+    </a:lvl6pPr>
+    <a:lvl7pPr marL="2743200" algn="l" defTabSz="914400" rtl="0" eaLnBrk="1" latinLnBrk="0" hangingPunct="1">
+      <a:defRPr sz="1200" kern="1200">
+        <a:solidFill>
+          <a:schemeClr val="tx1"/>
+        </a:solidFill>
+        <a:latin typeface="+mn-lt"/>
+        <a:ea typeface="+mn-ea"/>
+        <a:cs typeface="+mn-cs"/>
+      </a:defRPr>
+    </a:lvl7pPr>
+    <a:lvl8pPr marL="3200400" algn="l" defTabSz="914400" rtl="0" eaLnBrk="1" latinLnBrk="0" hangingPunct="1">
+      <a:defRPr sz="1200" kern="1200">
+        <a:solidFill>
+          <a:schemeClr val="tx1"/>
+        </a:solidFill>
+        <a:latin typeface="+mn-lt"/>
+        <a:ea typeface="+mn-ea"/>
+        <a:cs typeface="+mn-cs"/>
+      </a:defRPr>
+    </a:lvl8pPr>
+    <a:lvl9pPr marL="3657600" algn="l" defTabSz="914400" rtl="0" eaLnBrk="1" latinLnBrk="0" hangingPunct="1">
+      <a:defRPr sz="1200" kern="1200">
+        <a:solidFill>
+          <a:schemeClr val="tx1"/>
+        </a:solidFill>
+        <a:latin typeface="+mn-lt"/>
+        <a:ea typeface="+mn-ea"/>
+        <a:cs typeface="+mn-cs"/>
+      </a:defRPr>
+    </a:lvl9pPr>
+  </p:notesStyle>
 </p:notesMaster>
 </file>
 
 <file path=ppt/notesSlides/notesSlide1.xml><?xml version="1.0" encoding="utf-8"?>
-<p:notes xmlns:a="http://schemas.openxmlformats.org/drawingml/2006/main" xmlns:r="http://schemas.openxmlformats.org/officeDocument/2006/relationships" xmlns:mc="http://schemas.openxmlformats.org/markup-compatibility/2006" xmlns:mv="urn:schemas-microsoft-com:mac:vml" xmlns:p="http://schemas.openxmlformats.org/presentationml/2006/main" xmlns:c="http://schemas.openxmlformats.org/drawingml/2006/chart" xmlns:dgm="http://schemas.openxmlformats.org/drawingml/2006/diagram" xmlns:o="urn:schemas-microsoft-com:office:office" xmlns:v="urn:schemas-microsoft-com:vml" xmlns:pvml="urn:schemas-microsoft-com:office:powerpoint" xmlns:com="http://schemas.openxmlformats.org/drawingml/2006/compatibility" xmlns:p14="http://schemas.microsoft.com/office/powerpoint/2010/main" showMasterPhAnim="0" showMasterSp="0">
+<p:notes xmlns:a="http://schemas.openxmlformats.org/drawingml/2006/main" xmlns:r="http://schemas.openxmlformats.org/officeDocument/2006/relationships" xmlns:p="http://schemas.openxmlformats.org/presentationml/2006/main" showMasterSp="0" showMasterPhAnim="0">
   <p:cSld>
     <p:spTree>
       <p:nvGrpSpPr>
-        <p:cNvPr id="30" name="Shape 30"/>
+        <p:cNvPr id="1" name="Shape 30"/>
         <p:cNvGrpSpPr/>
         <p:nvPr/>
       </p:nvGrpSpPr>
@@ -392,19 +506,26 @@
       <p:sp>
         <p:nvSpPr>
           <p:cNvPr id="31" name="Shape 31"/>
-          <p:cNvSpPr/>
+          <p:cNvSpPr>
+            <a:spLocks noGrp="1" noRot="1" noChangeAspect="1"/>
+          </p:cNvSpPr>
           <p:nvPr>
-            <p:ph idx="2" type="sldImg"/>
+            <p:ph type="sldImg" idx="2"/>
           </p:nvPr>
         </p:nvSpPr>
         <p:spPr>
           <a:xfrm>
-            <a:off x="381187" y="685800"/>
-            <a:ext cx="6096299" cy="3429000"/>
+            <a:off x="381000" y="685800"/>
+            <a:ext cx="6096000" cy="3429000"/>
           </a:xfrm>
           <a:custGeom>
+            <a:avLst/>
+            <a:gdLst/>
+            <a:ahLst/>
+            <a:cxnLst/>
+            <a:rect l="0" t="0" r="0" b="0"/>
             <a:pathLst>
-              <a:path extrusionOk="0" h="120000" w="120000">
+              <a:path w="120000" h="120000" extrusionOk="0">
                 <a:moveTo>
                   <a:pt x="0" y="0"/>
                 </a:moveTo>
@@ -426,9 +547,11 @@
       <p:sp>
         <p:nvSpPr>
           <p:cNvPr id="32" name="Shape 32"/>
-          <p:cNvSpPr txBox="1"/>
+          <p:cNvSpPr txBox="1">
+            <a:spLocks noGrp="1"/>
+          </p:cNvSpPr>
           <p:nvPr>
-            <p:ph idx="1" type="body"/>
+            <p:ph type="body" idx="1"/>
           </p:nvPr>
         </p:nvSpPr>
         <p:spPr>
@@ -441,7 +564,7 @@
           </a:prstGeom>
         </p:spPr>
         <p:txBody>
-          <a:bodyPr anchorCtr="0" anchor="t" bIns="91425" lIns="91425" rIns="91425" tIns="91425">
+          <a:bodyPr lIns="91425" tIns="91425" rIns="91425" bIns="91425" anchor="t" anchorCtr="0">
             <a:noAutofit/>
           </a:bodyPr>
           <a:lstStyle/>
@@ -452,9 +575,6 @@
               </a:spcBef>
               <a:buNone/>
             </a:pPr>
-            <a:r>
-              <a:t/>
-            </a:r>
             <a:endParaRPr/>
           </a:p>
         </p:txBody>
@@ -468,11 +588,11 @@
 </file>
 
 <file path=ppt/notesSlides/notesSlide2.xml><?xml version="1.0" encoding="utf-8"?>
-<p:notes xmlns:a="http://schemas.openxmlformats.org/drawingml/2006/main" xmlns:r="http://schemas.openxmlformats.org/officeDocument/2006/relationships" xmlns:mc="http://schemas.openxmlformats.org/markup-compatibility/2006" xmlns:mv="urn:schemas-microsoft-com:mac:vml" xmlns:p="http://schemas.openxmlformats.org/presentationml/2006/main" xmlns:c="http://schemas.openxmlformats.org/drawingml/2006/chart" xmlns:dgm="http://schemas.openxmlformats.org/drawingml/2006/diagram" xmlns:o="urn:schemas-microsoft-com:office:office" xmlns:v="urn:schemas-microsoft-com:vml" xmlns:pvml="urn:schemas-microsoft-com:office:powerpoint" xmlns:com="http://schemas.openxmlformats.org/drawingml/2006/compatibility" xmlns:p14="http://schemas.microsoft.com/office/powerpoint/2010/main" showMasterPhAnim="0" showMasterSp="0">
+<p:notes xmlns:a="http://schemas.openxmlformats.org/drawingml/2006/main" xmlns:r="http://schemas.openxmlformats.org/officeDocument/2006/relationships" xmlns:p="http://schemas.openxmlformats.org/presentationml/2006/main" showMasterSp="0" showMasterPhAnim="0">
   <p:cSld>
     <p:spTree>
       <p:nvGrpSpPr>
-        <p:cNvPr id="36" name="Shape 36"/>
+        <p:cNvPr id="1" name="Shape 36"/>
         <p:cNvGrpSpPr/>
         <p:nvPr/>
       </p:nvGrpSpPr>
@@ -487,19 +607,26 @@
       <p:sp>
         <p:nvSpPr>
           <p:cNvPr id="37" name="Shape 37"/>
-          <p:cNvSpPr/>
+          <p:cNvSpPr>
+            <a:spLocks noGrp="1" noRot="1" noChangeAspect="1"/>
+          </p:cNvSpPr>
           <p:nvPr>
-            <p:ph idx="2" type="sldImg"/>
+            <p:ph type="sldImg" idx="2"/>
           </p:nvPr>
         </p:nvSpPr>
         <p:spPr>
           <a:xfrm>
-            <a:off x="381187" y="685800"/>
-            <a:ext cx="6096299" cy="3429000"/>
+            <a:off x="381000" y="685800"/>
+            <a:ext cx="6096000" cy="3429000"/>
           </a:xfrm>
           <a:custGeom>
+            <a:avLst/>
+            <a:gdLst/>
+            <a:ahLst/>
+            <a:cxnLst/>
+            <a:rect l="0" t="0" r="0" b="0"/>
             <a:pathLst>
-              <a:path extrusionOk="0" h="120000" w="120000">
+              <a:path w="120000" h="120000" extrusionOk="0">
                 <a:moveTo>
                   <a:pt x="0" y="0"/>
                 </a:moveTo>
@@ -521,9 +648,11 @@
       <p:sp>
         <p:nvSpPr>
           <p:cNvPr id="38" name="Shape 38"/>
-          <p:cNvSpPr txBox="1"/>
+          <p:cNvSpPr txBox="1">
+            <a:spLocks noGrp="1"/>
+          </p:cNvSpPr>
           <p:nvPr>
-            <p:ph idx="1" type="body"/>
+            <p:ph type="body" idx="1"/>
           </p:nvPr>
         </p:nvSpPr>
         <p:spPr>
@@ -536,7 +665,7 @@
           </a:prstGeom>
         </p:spPr>
         <p:txBody>
-          <a:bodyPr anchorCtr="0" anchor="t" bIns="91425" lIns="91425" rIns="91425" tIns="91425">
+          <a:bodyPr lIns="91425" tIns="91425" rIns="91425" bIns="91425" anchor="t" anchorCtr="0">
             <a:noAutofit/>
           </a:bodyPr>
           <a:lstStyle/>
@@ -547,9 +676,6 @@
               </a:spcBef>
               <a:buNone/>
             </a:pPr>
-            <a:r>
-              <a:t/>
-            </a:r>
             <a:endParaRPr/>
           </a:p>
         </p:txBody>
@@ -563,11 +689,11 @@
 </file>
 
 <file path=ppt/notesSlides/notesSlide3.xml><?xml version="1.0" encoding="utf-8"?>
-<p:notes xmlns:a="http://schemas.openxmlformats.org/drawingml/2006/main" xmlns:r="http://schemas.openxmlformats.org/officeDocument/2006/relationships" xmlns:mc="http://schemas.openxmlformats.org/markup-compatibility/2006" xmlns:mv="urn:schemas-microsoft-com:mac:vml" xmlns:p="http://schemas.openxmlformats.org/presentationml/2006/main" xmlns:c="http://schemas.openxmlformats.org/drawingml/2006/chart" xmlns:dgm="http://schemas.openxmlformats.org/drawingml/2006/diagram" xmlns:o="urn:schemas-microsoft-com:office:office" xmlns:v="urn:schemas-microsoft-com:vml" xmlns:pvml="urn:schemas-microsoft-com:office:powerpoint" xmlns:com="http://schemas.openxmlformats.org/drawingml/2006/compatibility" xmlns:p14="http://schemas.microsoft.com/office/powerpoint/2010/main" showMasterPhAnim="0" showMasterSp="0">
+<p:notes xmlns:a="http://schemas.openxmlformats.org/drawingml/2006/main" xmlns:r="http://schemas.openxmlformats.org/officeDocument/2006/relationships" xmlns:p="http://schemas.openxmlformats.org/presentationml/2006/main" showMasterSp="0" showMasterPhAnim="0">
   <p:cSld>
     <p:spTree>
       <p:nvGrpSpPr>
-        <p:cNvPr id="42" name="Shape 42"/>
+        <p:cNvPr id="1" name="Shape 42"/>
         <p:cNvGrpSpPr/>
         <p:nvPr/>
       </p:nvGrpSpPr>
@@ -582,19 +708,26 @@
       <p:sp>
         <p:nvSpPr>
           <p:cNvPr id="43" name="Shape 43"/>
-          <p:cNvSpPr/>
+          <p:cNvSpPr>
+            <a:spLocks noGrp="1" noRot="1" noChangeAspect="1"/>
+          </p:cNvSpPr>
           <p:nvPr>
-            <p:ph idx="2" type="sldImg"/>
+            <p:ph type="sldImg" idx="2"/>
           </p:nvPr>
         </p:nvSpPr>
         <p:spPr>
           <a:xfrm>
-            <a:off x="381187" y="685800"/>
-            <a:ext cx="6096299" cy="3429000"/>
+            <a:off x="381000" y="685800"/>
+            <a:ext cx="6096000" cy="3429000"/>
           </a:xfrm>
           <a:custGeom>
+            <a:avLst/>
+            <a:gdLst/>
+            <a:ahLst/>
+            <a:cxnLst/>
+            <a:rect l="0" t="0" r="0" b="0"/>
             <a:pathLst>
-              <a:path extrusionOk="0" h="120000" w="120000">
+              <a:path w="120000" h="120000" extrusionOk="0">
                 <a:moveTo>
                   <a:pt x="0" y="0"/>
                 </a:moveTo>
@@ -616,9 +749,11 @@
       <p:sp>
         <p:nvSpPr>
           <p:cNvPr id="44" name="Shape 44"/>
-          <p:cNvSpPr txBox="1"/>
+          <p:cNvSpPr txBox="1">
+            <a:spLocks noGrp="1"/>
+          </p:cNvSpPr>
           <p:nvPr>
-            <p:ph idx="1" type="body"/>
+            <p:ph type="body" idx="1"/>
           </p:nvPr>
         </p:nvSpPr>
         <p:spPr>
@@ -631,7 +766,7 @@
           </a:prstGeom>
         </p:spPr>
         <p:txBody>
-          <a:bodyPr anchorCtr="0" anchor="t" bIns="91425" lIns="91425" rIns="91425" tIns="91425">
+          <a:bodyPr lIns="91425" tIns="91425" rIns="91425" bIns="91425" anchor="t" anchorCtr="0">
             <a:noAutofit/>
           </a:bodyPr>
           <a:lstStyle/>
@@ -642,9 +777,6 @@
               </a:spcBef>
               <a:buNone/>
             </a:pPr>
-            <a:r>
-              <a:t/>
-            </a:r>
             <a:endParaRPr/>
           </a:p>
         </p:txBody>
@@ -658,11 +790,11 @@
 </file>
 
 <file path=ppt/notesSlides/notesSlide4.xml><?xml version="1.0" encoding="utf-8"?>
-<p:notes xmlns:a="http://schemas.openxmlformats.org/drawingml/2006/main" xmlns:r="http://schemas.openxmlformats.org/officeDocument/2006/relationships" xmlns:mc="http://schemas.openxmlformats.org/markup-compatibility/2006" xmlns:mv="urn:schemas-microsoft-com:mac:vml" xmlns:p="http://schemas.openxmlformats.org/presentationml/2006/main" xmlns:c="http://schemas.openxmlformats.org/drawingml/2006/chart" xmlns:dgm="http://schemas.openxmlformats.org/drawingml/2006/diagram" xmlns:o="urn:schemas-microsoft-com:office:office" xmlns:v="urn:schemas-microsoft-com:vml" xmlns:pvml="urn:schemas-microsoft-com:office:powerpoint" xmlns:com="http://schemas.openxmlformats.org/drawingml/2006/compatibility" xmlns:p14="http://schemas.microsoft.com/office/powerpoint/2010/main" showMasterPhAnim="0" showMasterSp="0">
+<p:notes xmlns:a="http://schemas.openxmlformats.org/drawingml/2006/main" xmlns:r="http://schemas.openxmlformats.org/officeDocument/2006/relationships" xmlns:p="http://schemas.openxmlformats.org/presentationml/2006/main" showMasterSp="0" showMasterPhAnim="0">
   <p:cSld>
     <p:spTree>
       <p:nvGrpSpPr>
-        <p:cNvPr id="48" name="Shape 48"/>
+        <p:cNvPr id="1" name="Shape 48"/>
         <p:cNvGrpSpPr/>
         <p:nvPr/>
       </p:nvGrpSpPr>
@@ -677,19 +809,26 @@
       <p:sp>
         <p:nvSpPr>
           <p:cNvPr id="49" name="Shape 49"/>
-          <p:cNvSpPr/>
+          <p:cNvSpPr>
+            <a:spLocks noGrp="1" noRot="1" noChangeAspect="1"/>
+          </p:cNvSpPr>
           <p:nvPr>
-            <p:ph idx="2" type="sldImg"/>
+            <p:ph type="sldImg" idx="2"/>
           </p:nvPr>
         </p:nvSpPr>
         <p:spPr>
           <a:xfrm>
-            <a:off x="381187" y="685800"/>
-            <a:ext cx="6096299" cy="3429000"/>
+            <a:off x="381000" y="685800"/>
+            <a:ext cx="6096000" cy="3429000"/>
           </a:xfrm>
           <a:custGeom>
+            <a:avLst/>
+            <a:gdLst/>
+            <a:ahLst/>
+            <a:cxnLst/>
+            <a:rect l="0" t="0" r="0" b="0"/>
             <a:pathLst>
-              <a:path extrusionOk="0" h="120000" w="120000">
+              <a:path w="120000" h="120000" extrusionOk="0">
                 <a:moveTo>
                   <a:pt x="0" y="0"/>
                 </a:moveTo>
@@ -711,9 +850,11 @@
       <p:sp>
         <p:nvSpPr>
           <p:cNvPr id="50" name="Shape 50"/>
-          <p:cNvSpPr txBox="1"/>
+          <p:cNvSpPr txBox="1">
+            <a:spLocks noGrp="1"/>
+          </p:cNvSpPr>
           <p:nvPr>
-            <p:ph idx="1" type="body"/>
+            <p:ph type="body" idx="1"/>
           </p:nvPr>
         </p:nvSpPr>
         <p:spPr>
@@ -726,7 +867,7 @@
           </a:prstGeom>
         </p:spPr>
         <p:txBody>
-          <a:bodyPr anchorCtr="0" anchor="t" bIns="91425" lIns="91425" rIns="91425" tIns="91425">
+          <a:bodyPr lIns="91425" tIns="91425" rIns="91425" bIns="91425" anchor="t" anchorCtr="0">
             <a:noAutofit/>
           </a:bodyPr>
           <a:lstStyle/>
@@ -737,9 +878,6 @@
               </a:spcBef>
               <a:buNone/>
             </a:pPr>
-            <a:r>
-              <a:t/>
-            </a:r>
             <a:endParaRPr/>
           </a:p>
         </p:txBody>
@@ -753,11 +891,11 @@
 </file>
 
 <file path=ppt/notesSlides/notesSlide5.xml><?xml version="1.0" encoding="utf-8"?>
-<p:notes xmlns:a="http://schemas.openxmlformats.org/drawingml/2006/main" xmlns:r="http://schemas.openxmlformats.org/officeDocument/2006/relationships" xmlns:mc="http://schemas.openxmlformats.org/markup-compatibility/2006" xmlns:mv="urn:schemas-microsoft-com:mac:vml" xmlns:p="http://schemas.openxmlformats.org/presentationml/2006/main" xmlns:c="http://schemas.openxmlformats.org/drawingml/2006/chart" xmlns:dgm="http://schemas.openxmlformats.org/drawingml/2006/diagram" xmlns:o="urn:schemas-microsoft-com:office:office" xmlns:v="urn:schemas-microsoft-com:vml" xmlns:pvml="urn:schemas-microsoft-com:office:powerpoint" xmlns:com="http://schemas.openxmlformats.org/drawingml/2006/compatibility" xmlns:p14="http://schemas.microsoft.com/office/powerpoint/2010/main" showMasterPhAnim="0" showMasterSp="0">
+<p:notes xmlns:a="http://schemas.openxmlformats.org/drawingml/2006/main" xmlns:r="http://schemas.openxmlformats.org/officeDocument/2006/relationships" xmlns:p="http://schemas.openxmlformats.org/presentationml/2006/main" showMasterSp="0" showMasterPhAnim="0">
   <p:cSld>
     <p:spTree>
       <p:nvGrpSpPr>
-        <p:cNvPr id="54" name="Shape 54"/>
+        <p:cNvPr id="1" name="Shape 54"/>
         <p:cNvGrpSpPr/>
         <p:nvPr/>
       </p:nvGrpSpPr>
@@ -772,19 +910,26 @@
       <p:sp>
         <p:nvSpPr>
           <p:cNvPr id="55" name="Shape 55"/>
-          <p:cNvSpPr/>
+          <p:cNvSpPr>
+            <a:spLocks noGrp="1" noRot="1" noChangeAspect="1"/>
+          </p:cNvSpPr>
           <p:nvPr>
-            <p:ph idx="2" type="sldImg"/>
+            <p:ph type="sldImg" idx="2"/>
           </p:nvPr>
         </p:nvSpPr>
         <p:spPr>
           <a:xfrm>
-            <a:off x="381187" y="685800"/>
-            <a:ext cx="6096299" cy="3429000"/>
+            <a:off x="381000" y="685800"/>
+            <a:ext cx="6096000" cy="3429000"/>
           </a:xfrm>
           <a:custGeom>
+            <a:avLst/>
+            <a:gdLst/>
+            <a:ahLst/>
+            <a:cxnLst/>
+            <a:rect l="0" t="0" r="0" b="0"/>
             <a:pathLst>
-              <a:path extrusionOk="0" h="120000" w="120000">
+              <a:path w="120000" h="120000" extrusionOk="0">
                 <a:moveTo>
                   <a:pt x="0" y="0"/>
                 </a:moveTo>
@@ -806,9 +951,11 @@
       <p:sp>
         <p:nvSpPr>
           <p:cNvPr id="56" name="Shape 56"/>
-          <p:cNvSpPr txBox="1"/>
+          <p:cNvSpPr txBox="1">
+            <a:spLocks noGrp="1"/>
+          </p:cNvSpPr>
           <p:nvPr>
-            <p:ph idx="1" type="body"/>
+            <p:ph type="body" idx="1"/>
           </p:nvPr>
         </p:nvSpPr>
         <p:spPr>
@@ -821,7 +968,7 @@
           </a:prstGeom>
         </p:spPr>
         <p:txBody>
-          <a:bodyPr anchorCtr="0" anchor="t" bIns="91425" lIns="91425" rIns="91425" tIns="91425">
+          <a:bodyPr lIns="91425" tIns="91425" rIns="91425" bIns="91425" anchor="t" anchorCtr="0">
             <a:noAutofit/>
           </a:bodyPr>
           <a:lstStyle/>
@@ -832,9 +979,6 @@
               </a:spcBef>
               <a:buNone/>
             </a:pPr>
-            <a:r>
-              <a:t/>
-            </a:r>
             <a:endParaRPr/>
           </a:p>
         </p:txBody>
@@ -848,11 +992,11 @@
 </file>
 
 <file path=ppt/notesSlides/notesSlide6.xml><?xml version="1.0" encoding="utf-8"?>
-<p:notes xmlns:a="http://schemas.openxmlformats.org/drawingml/2006/main" xmlns:r="http://schemas.openxmlformats.org/officeDocument/2006/relationships" xmlns:mc="http://schemas.openxmlformats.org/markup-compatibility/2006" xmlns:mv="urn:schemas-microsoft-com:mac:vml" xmlns:p="http://schemas.openxmlformats.org/presentationml/2006/main" xmlns:c="http://schemas.openxmlformats.org/drawingml/2006/chart" xmlns:dgm="http://schemas.openxmlformats.org/drawingml/2006/diagram" xmlns:o="urn:schemas-microsoft-com:office:office" xmlns:v="urn:schemas-microsoft-com:vml" xmlns:pvml="urn:schemas-microsoft-com:office:powerpoint" xmlns:com="http://schemas.openxmlformats.org/drawingml/2006/compatibility" xmlns:p14="http://schemas.microsoft.com/office/powerpoint/2010/main" showMasterPhAnim="0" showMasterSp="0">
+<p:notes xmlns:a="http://schemas.openxmlformats.org/drawingml/2006/main" xmlns:r="http://schemas.openxmlformats.org/officeDocument/2006/relationships" xmlns:p="http://schemas.openxmlformats.org/presentationml/2006/main" showMasterSp="0" showMasterPhAnim="0">
   <p:cSld>
     <p:spTree>
       <p:nvGrpSpPr>
-        <p:cNvPr id="60" name="Shape 60"/>
+        <p:cNvPr id="1" name="Shape 60"/>
         <p:cNvGrpSpPr/>
         <p:nvPr/>
       </p:nvGrpSpPr>
@@ -867,19 +1011,26 @@
       <p:sp>
         <p:nvSpPr>
           <p:cNvPr id="61" name="Shape 61"/>
-          <p:cNvSpPr/>
+          <p:cNvSpPr>
+            <a:spLocks noGrp="1" noRot="1" noChangeAspect="1"/>
+          </p:cNvSpPr>
           <p:nvPr>
-            <p:ph idx="2" type="sldImg"/>
+            <p:ph type="sldImg" idx="2"/>
           </p:nvPr>
         </p:nvSpPr>
         <p:spPr>
           <a:xfrm>
-            <a:off x="381187" y="685800"/>
-            <a:ext cx="6096299" cy="3429000"/>
+            <a:off x="381000" y="685800"/>
+            <a:ext cx="6096000" cy="3429000"/>
           </a:xfrm>
           <a:custGeom>
+            <a:avLst/>
+            <a:gdLst/>
+            <a:ahLst/>
+            <a:cxnLst/>
+            <a:rect l="0" t="0" r="0" b="0"/>
             <a:pathLst>
-              <a:path extrusionOk="0" h="120000" w="120000">
+              <a:path w="120000" h="120000" extrusionOk="0">
                 <a:moveTo>
                   <a:pt x="0" y="0"/>
                 </a:moveTo>
@@ -901,9 +1052,11 @@
       <p:sp>
         <p:nvSpPr>
           <p:cNvPr id="62" name="Shape 62"/>
-          <p:cNvSpPr txBox="1"/>
+          <p:cNvSpPr txBox="1">
+            <a:spLocks noGrp="1"/>
+          </p:cNvSpPr>
           <p:nvPr>
-            <p:ph idx="1" type="body"/>
+            <p:ph type="body" idx="1"/>
           </p:nvPr>
         </p:nvSpPr>
         <p:spPr>
@@ -916,7 +1069,7 @@
           </a:prstGeom>
         </p:spPr>
         <p:txBody>
-          <a:bodyPr anchorCtr="0" anchor="t" bIns="91425" lIns="91425" rIns="91425" tIns="91425">
+          <a:bodyPr lIns="91425" tIns="91425" rIns="91425" bIns="91425" anchor="t" anchorCtr="0">
             <a:noAutofit/>
           </a:bodyPr>
           <a:lstStyle/>
@@ -927,104 +1080,6 @@
               </a:spcBef>
               <a:buNone/>
             </a:pPr>
-            <a:r>
-              <a:t/>
-            </a:r>
-            <a:endParaRPr/>
-          </a:p>
-        </p:txBody>
-      </p:sp>
-    </p:spTree>
-  </p:cSld>
-  <p:clrMapOvr>
-    <a:masterClrMapping/>
-  </p:clrMapOvr>
-</p:notes>
-</file>
-
-<file path=ppt/notesSlides/notesSlide7.xml><?xml version="1.0" encoding="utf-8"?>
-<p:notes xmlns:a="http://schemas.openxmlformats.org/drawingml/2006/main" xmlns:r="http://schemas.openxmlformats.org/officeDocument/2006/relationships" xmlns:mc="http://schemas.openxmlformats.org/markup-compatibility/2006" xmlns:mv="urn:schemas-microsoft-com:mac:vml" xmlns:p="http://schemas.openxmlformats.org/presentationml/2006/main" xmlns:c="http://schemas.openxmlformats.org/drawingml/2006/chart" xmlns:dgm="http://schemas.openxmlformats.org/drawingml/2006/diagram" xmlns:o="urn:schemas-microsoft-com:office:office" xmlns:v="urn:schemas-microsoft-com:vml" xmlns:pvml="urn:schemas-microsoft-com:office:powerpoint" xmlns:com="http://schemas.openxmlformats.org/drawingml/2006/compatibility" xmlns:p14="http://schemas.microsoft.com/office/powerpoint/2010/main" showMasterPhAnim="0" showMasterSp="0">
-  <p:cSld>
-    <p:spTree>
-      <p:nvGrpSpPr>
-        <p:cNvPr id="66" name="Shape 66"/>
-        <p:cNvGrpSpPr/>
-        <p:nvPr/>
-      </p:nvGrpSpPr>
-      <p:grpSpPr>
-        <a:xfrm>
-          <a:off x="0" y="0"/>
-          <a:ext cx="0" cy="0"/>
-          <a:chOff x="0" y="0"/>
-          <a:chExt cx="0" cy="0"/>
-        </a:xfrm>
-      </p:grpSpPr>
-      <p:sp>
-        <p:nvSpPr>
-          <p:cNvPr id="67" name="Shape 67"/>
-          <p:cNvSpPr/>
-          <p:nvPr>
-            <p:ph idx="2" type="sldImg"/>
-          </p:nvPr>
-        </p:nvSpPr>
-        <p:spPr>
-          <a:xfrm>
-            <a:off x="381187" y="685800"/>
-            <a:ext cx="6096299" cy="3429000"/>
-          </a:xfrm>
-          <a:custGeom>
-            <a:pathLst>
-              <a:path extrusionOk="0" h="120000" w="120000">
-                <a:moveTo>
-                  <a:pt x="0" y="0"/>
-                </a:moveTo>
-                <a:lnTo>
-                  <a:pt x="120000" y="0"/>
-                </a:lnTo>
-                <a:lnTo>
-                  <a:pt x="120000" y="120000"/>
-                </a:lnTo>
-                <a:lnTo>
-                  <a:pt x="0" y="120000"/>
-                </a:lnTo>
-                <a:close/>
-              </a:path>
-            </a:pathLst>
-          </a:custGeom>
-        </p:spPr>
-      </p:sp>
-      <p:sp>
-        <p:nvSpPr>
-          <p:cNvPr id="68" name="Shape 68"/>
-          <p:cNvSpPr txBox="1"/>
-          <p:nvPr>
-            <p:ph idx="1" type="body"/>
-          </p:nvPr>
-        </p:nvSpPr>
-        <p:spPr>
-          <a:xfrm>
-            <a:off x="685800" y="4343400"/>
-            <a:ext cx="5486399" cy="4114800"/>
-          </a:xfrm>
-          <a:prstGeom prst="rect">
-            <a:avLst/>
-          </a:prstGeom>
-        </p:spPr>
-        <p:txBody>
-          <a:bodyPr anchorCtr="0" anchor="t" bIns="91425" lIns="91425" rIns="91425" tIns="91425">
-            <a:noAutofit/>
-          </a:bodyPr>
-          <a:lstStyle/>
-          <a:p>
-            <a:pPr lvl="0">
-              <a:spcBef>
-                <a:spcPts val="0"/>
-              </a:spcBef>
-              <a:buNone/>
-            </a:pPr>
-            <a:r>
-              <a:t/>
-            </a:r>
             <a:endParaRPr/>
           </a:p>
         </p:txBody>
@@ -1038,11 +1093,11 @@
 </file>
 
 <file path=ppt/slideLayouts/slideLayout1.xml><?xml version="1.0" encoding="utf-8"?>
-<p:sldLayout xmlns:a="http://schemas.openxmlformats.org/drawingml/2006/main" xmlns:r="http://schemas.openxmlformats.org/officeDocument/2006/relationships" xmlns:mc="http://schemas.openxmlformats.org/markup-compatibility/2006" xmlns:mv="urn:schemas-microsoft-com:mac:vml" xmlns:p="http://schemas.openxmlformats.org/presentationml/2006/main" xmlns:c="http://schemas.openxmlformats.org/drawingml/2006/chart" xmlns:dgm="http://schemas.openxmlformats.org/drawingml/2006/diagram" xmlns:o="urn:schemas-microsoft-com:office:office" xmlns:v="urn:schemas-microsoft-com:vml" xmlns:pvml="urn:schemas-microsoft-com:office:powerpoint" xmlns:com="http://schemas.openxmlformats.org/drawingml/2006/compatibility" xmlns:p14="http://schemas.microsoft.com/office/powerpoint/2010/main" type="title">
+<p:sldLayout xmlns:a="http://schemas.openxmlformats.org/drawingml/2006/main" xmlns:r="http://schemas.openxmlformats.org/officeDocument/2006/relationships" xmlns:p="http://schemas.openxmlformats.org/presentationml/2006/main" type="title">
   <p:cSld name="Title slide">
     <p:spTree>
       <p:nvGrpSpPr>
-        <p:cNvPr id="9" name="Shape 9"/>
+        <p:cNvPr id="1" name="Shape 9"/>
         <p:cNvGrpSpPr/>
         <p:nvPr/>
       </p:nvGrpSpPr>
@@ -1057,7 +1112,9 @@
       <p:sp>
         <p:nvSpPr>
           <p:cNvPr id="10" name="Shape 10"/>
-          <p:cNvSpPr txBox="1"/>
+          <p:cNvSpPr txBox="1">
+            <a:spLocks noGrp="1"/>
+          </p:cNvSpPr>
           <p:nvPr>
             <p:ph type="ctrTitle"/>
           </p:nvPr>
@@ -1072,7 +1129,7 @@
           </a:prstGeom>
         </p:spPr>
         <p:txBody>
-          <a:bodyPr anchorCtr="0" anchor="b" bIns="91425" lIns="91425" rIns="91425" tIns="91425"/>
+          <a:bodyPr lIns="91425" tIns="91425" rIns="91425" bIns="91425" anchor="b" anchorCtr="0"/>
           <a:lstStyle>
             <a:lvl1pPr lvl="0" algn="ctr">
               <a:spcBef>
@@ -1138,15 +1195,19 @@
               <a:defRPr sz="4800"/>
             </a:lvl9pPr>
           </a:lstStyle>
-          <a:p/>
+          <a:p>
+            <a:endParaRPr/>
+          </a:p>
         </p:txBody>
       </p:sp>
       <p:sp>
         <p:nvSpPr>
           <p:cNvPr id="11" name="Shape 11"/>
-          <p:cNvSpPr txBox="1"/>
+          <p:cNvSpPr txBox="1">
+            <a:spLocks noGrp="1"/>
+          </p:cNvSpPr>
           <p:nvPr>
-            <p:ph idx="1" type="subTitle"/>
+            <p:ph type="subTitle" idx="1"/>
           </p:nvPr>
         </p:nvSpPr>
         <p:spPr>
@@ -1159,7 +1220,7 @@
           </a:prstGeom>
         </p:spPr>
         <p:txBody>
-          <a:bodyPr anchorCtr="0" anchor="t" bIns="91425" lIns="91425" rIns="91425" tIns="91425"/>
+          <a:bodyPr lIns="91425" tIns="91425" rIns="91425" bIns="91425" anchor="t" anchorCtr="0"/>
           <a:lstStyle>
             <a:lvl1pPr lvl="0" algn="ctr">
               <a:spcBef>
@@ -1296,15 +1357,19 @@
               </a:defRPr>
             </a:lvl9pPr>
           </a:lstStyle>
-          <a:p/>
+          <a:p>
+            <a:endParaRPr/>
+          </a:p>
         </p:txBody>
       </p:sp>
       <p:sp>
         <p:nvSpPr>
           <p:cNvPr id="12" name="Shape 12"/>
-          <p:cNvSpPr txBox="1"/>
+          <p:cNvSpPr txBox="1">
+            <a:spLocks noGrp="1"/>
+          </p:cNvSpPr>
           <p:nvPr>
-            <p:ph idx="12" type="sldNum"/>
+            <p:ph type="sldNum" idx="12"/>
           </p:nvPr>
         </p:nvSpPr>
         <p:spPr>
@@ -1317,7 +1382,7 @@
           </a:prstGeom>
         </p:spPr>
         <p:txBody>
-          <a:bodyPr anchorCtr="0" anchor="ctr" bIns="91425" lIns="91425" rIns="91425" tIns="91425">
+          <a:bodyPr lIns="91425" tIns="91425" rIns="91425" bIns="91425" anchor="ctr" anchorCtr="0">
             <a:noAutofit/>
           </a:bodyPr>
           <a:lstStyle/>
@@ -1330,8 +1395,9 @@
             </a:pPr>
             <a:fld id="{00000000-1234-1234-1234-123412341234}" type="slidenum">
               <a:rPr lang="en"/>
-              <a:t>‹#›</a:t>
+              <a:t>‹nº›</a:t>
             </a:fld>
+            <a:endParaRPr lang="en"/>
           </a:p>
         </p:txBody>
       </p:sp>
@@ -1344,11 +1410,11 @@
 </file>
 
 <file path=ppt/slideLayouts/slideLayout2.xml><?xml version="1.0" encoding="utf-8"?>
-<p:sldLayout xmlns:a="http://schemas.openxmlformats.org/drawingml/2006/main" xmlns:r="http://schemas.openxmlformats.org/officeDocument/2006/relationships" xmlns:mc="http://schemas.openxmlformats.org/markup-compatibility/2006" xmlns:mv="urn:schemas-microsoft-com:mac:vml" xmlns:p="http://schemas.openxmlformats.org/presentationml/2006/main" xmlns:c="http://schemas.openxmlformats.org/drawingml/2006/chart" xmlns:dgm="http://schemas.openxmlformats.org/drawingml/2006/diagram" xmlns:o="urn:schemas-microsoft-com:office:office" xmlns:v="urn:schemas-microsoft-com:vml" xmlns:pvml="urn:schemas-microsoft-com:office:powerpoint" xmlns:com="http://schemas.openxmlformats.org/drawingml/2006/compatibility" xmlns:p14="http://schemas.microsoft.com/office/powerpoint/2010/main" type="tx">
+<p:sldLayout xmlns:a="http://schemas.openxmlformats.org/drawingml/2006/main" xmlns:r="http://schemas.openxmlformats.org/officeDocument/2006/relationships" xmlns:p="http://schemas.openxmlformats.org/presentationml/2006/main" type="tx">
   <p:cSld name="Title and body">
     <p:spTree>
       <p:nvGrpSpPr>
-        <p:cNvPr id="13" name="Shape 13"/>
+        <p:cNvPr id="1" name="Shape 13"/>
         <p:cNvGrpSpPr/>
         <p:nvPr/>
       </p:nvGrpSpPr>
@@ -1363,7 +1429,9 @@
       <p:sp>
         <p:nvSpPr>
           <p:cNvPr id="14" name="Shape 14"/>
-          <p:cNvSpPr txBox="1"/>
+          <p:cNvSpPr txBox="1">
+            <a:spLocks noGrp="1"/>
+          </p:cNvSpPr>
           <p:nvPr>
             <p:ph type="title"/>
           </p:nvPr>
@@ -1378,7 +1446,7 @@
           </a:prstGeom>
         </p:spPr>
         <p:txBody>
-          <a:bodyPr anchorCtr="0" anchor="b" bIns="91425" lIns="91425" rIns="91425" tIns="91425"/>
+          <a:bodyPr lIns="91425" tIns="91425" rIns="91425" bIns="91425" anchor="b" anchorCtr="0"/>
           <a:lstStyle>
             <a:lvl1pPr lvl="0">
               <a:spcBef>
@@ -1435,15 +1503,19 @@
               <a:defRPr/>
             </a:lvl9pPr>
           </a:lstStyle>
-          <a:p/>
+          <a:p>
+            <a:endParaRPr/>
+          </a:p>
         </p:txBody>
       </p:sp>
       <p:sp>
         <p:nvSpPr>
           <p:cNvPr id="15" name="Shape 15"/>
-          <p:cNvSpPr txBox="1"/>
+          <p:cNvSpPr txBox="1">
+            <a:spLocks noGrp="1"/>
+          </p:cNvSpPr>
           <p:nvPr>
-            <p:ph idx="1" type="body"/>
+            <p:ph type="body" idx="1"/>
           </p:nvPr>
         </p:nvSpPr>
         <p:spPr>
@@ -1456,7 +1528,7 @@
           </a:prstGeom>
         </p:spPr>
         <p:txBody>
-          <a:bodyPr anchorCtr="0" anchor="t" bIns="91425" lIns="91425" rIns="91425" tIns="91425"/>
+          <a:bodyPr lIns="91425" tIns="91425" rIns="91425" bIns="91425" anchor="t" anchorCtr="0"/>
           <a:lstStyle>
             <a:lvl1pPr lvl="0">
               <a:spcBef>
@@ -1513,15 +1585,19 @@
               <a:defRPr/>
             </a:lvl9pPr>
           </a:lstStyle>
-          <a:p/>
+          <a:p>
+            <a:endParaRPr/>
+          </a:p>
         </p:txBody>
       </p:sp>
       <p:sp>
         <p:nvSpPr>
           <p:cNvPr id="16" name="Shape 16"/>
-          <p:cNvSpPr txBox="1"/>
+          <p:cNvSpPr txBox="1">
+            <a:spLocks noGrp="1"/>
+          </p:cNvSpPr>
           <p:nvPr>
-            <p:ph idx="12" type="sldNum"/>
+            <p:ph type="sldNum" idx="12"/>
           </p:nvPr>
         </p:nvSpPr>
         <p:spPr>
@@ -1534,7 +1610,7 @@
           </a:prstGeom>
         </p:spPr>
         <p:txBody>
-          <a:bodyPr anchorCtr="0" anchor="ctr" bIns="91425" lIns="91425" rIns="91425" tIns="91425">
+          <a:bodyPr lIns="91425" tIns="91425" rIns="91425" bIns="91425" anchor="ctr" anchorCtr="0">
             <a:noAutofit/>
           </a:bodyPr>
           <a:lstStyle/>
@@ -1547,8 +1623,9 @@
             </a:pPr>
             <a:fld id="{00000000-1234-1234-1234-123412341234}" type="slidenum">
               <a:rPr lang="en"/>
-              <a:t>‹#›</a:t>
+              <a:t>‹nº›</a:t>
             </a:fld>
+            <a:endParaRPr lang="en"/>
           </a:p>
         </p:txBody>
       </p:sp>
@@ -1561,11 +1638,11 @@
 </file>
 
 <file path=ppt/slideLayouts/slideLayout3.xml><?xml version="1.0" encoding="utf-8"?>
-<p:sldLayout xmlns:a="http://schemas.openxmlformats.org/drawingml/2006/main" xmlns:r="http://schemas.openxmlformats.org/officeDocument/2006/relationships" xmlns:mc="http://schemas.openxmlformats.org/markup-compatibility/2006" xmlns:mv="urn:schemas-microsoft-com:mac:vml" xmlns:p="http://schemas.openxmlformats.org/presentationml/2006/main" xmlns:c="http://schemas.openxmlformats.org/drawingml/2006/chart" xmlns:dgm="http://schemas.openxmlformats.org/drawingml/2006/diagram" xmlns:o="urn:schemas-microsoft-com:office:office" xmlns:v="urn:schemas-microsoft-com:vml" xmlns:pvml="urn:schemas-microsoft-com:office:powerpoint" xmlns:com="http://schemas.openxmlformats.org/drawingml/2006/compatibility" xmlns:p14="http://schemas.microsoft.com/office/powerpoint/2010/main" type="twoColTx">
+<p:sldLayout xmlns:a="http://schemas.openxmlformats.org/drawingml/2006/main" xmlns:r="http://schemas.openxmlformats.org/officeDocument/2006/relationships" xmlns:p="http://schemas.openxmlformats.org/presentationml/2006/main" type="twoColTx">
   <p:cSld name="Title and two columns">
     <p:spTree>
       <p:nvGrpSpPr>
-        <p:cNvPr id="17" name="Shape 17"/>
+        <p:cNvPr id="1" name="Shape 17"/>
         <p:cNvGrpSpPr/>
         <p:nvPr/>
       </p:nvGrpSpPr>
@@ -1580,7 +1657,9 @@
       <p:sp>
         <p:nvSpPr>
           <p:cNvPr id="18" name="Shape 18"/>
-          <p:cNvSpPr txBox="1"/>
+          <p:cNvSpPr txBox="1">
+            <a:spLocks noGrp="1"/>
+          </p:cNvSpPr>
           <p:nvPr>
             <p:ph type="title"/>
           </p:nvPr>
@@ -1595,7 +1674,7 @@
           </a:prstGeom>
         </p:spPr>
         <p:txBody>
-          <a:bodyPr anchorCtr="0" anchor="b" bIns="91425" lIns="91425" rIns="91425" tIns="91425"/>
+          <a:bodyPr lIns="91425" tIns="91425" rIns="91425" bIns="91425" anchor="b" anchorCtr="0"/>
           <a:lstStyle>
             <a:lvl1pPr lvl="0">
               <a:spcBef>
@@ -1652,15 +1731,19 @@
               <a:defRPr/>
             </a:lvl9pPr>
           </a:lstStyle>
-          <a:p/>
+          <a:p>
+            <a:endParaRPr/>
+          </a:p>
         </p:txBody>
       </p:sp>
       <p:sp>
         <p:nvSpPr>
           <p:cNvPr id="19" name="Shape 19"/>
-          <p:cNvSpPr txBox="1"/>
+          <p:cNvSpPr txBox="1">
+            <a:spLocks noGrp="1"/>
+          </p:cNvSpPr>
           <p:nvPr>
-            <p:ph idx="1" type="body"/>
+            <p:ph type="body" idx="1"/>
           </p:nvPr>
         </p:nvSpPr>
         <p:spPr>
@@ -1673,7 +1756,7 @@
           </a:prstGeom>
         </p:spPr>
         <p:txBody>
-          <a:bodyPr anchorCtr="0" anchor="t" bIns="91425" lIns="91425" rIns="91425" tIns="91425"/>
+          <a:bodyPr lIns="91425" tIns="91425" rIns="91425" bIns="91425" anchor="t" anchorCtr="0"/>
           <a:lstStyle>
             <a:lvl1pPr lvl="0">
               <a:spcBef>
@@ -1730,15 +1813,19 @@
               <a:defRPr/>
             </a:lvl9pPr>
           </a:lstStyle>
-          <a:p/>
+          <a:p>
+            <a:endParaRPr/>
+          </a:p>
         </p:txBody>
       </p:sp>
       <p:sp>
         <p:nvSpPr>
           <p:cNvPr id="20" name="Shape 20"/>
-          <p:cNvSpPr txBox="1"/>
+          <p:cNvSpPr txBox="1">
+            <a:spLocks noGrp="1"/>
+          </p:cNvSpPr>
           <p:nvPr>
-            <p:ph idx="2" type="body"/>
+            <p:ph type="body" idx="2"/>
           </p:nvPr>
         </p:nvSpPr>
         <p:spPr>
@@ -1751,7 +1838,7 @@
           </a:prstGeom>
         </p:spPr>
         <p:txBody>
-          <a:bodyPr anchorCtr="0" anchor="t" bIns="91425" lIns="91425" rIns="91425" tIns="91425"/>
+          <a:bodyPr lIns="91425" tIns="91425" rIns="91425" bIns="91425" anchor="t" anchorCtr="0"/>
           <a:lstStyle>
             <a:lvl1pPr lvl="0">
               <a:spcBef>
@@ -1808,15 +1895,19 @@
               <a:defRPr/>
             </a:lvl9pPr>
           </a:lstStyle>
-          <a:p/>
+          <a:p>
+            <a:endParaRPr/>
+          </a:p>
         </p:txBody>
       </p:sp>
       <p:sp>
         <p:nvSpPr>
           <p:cNvPr id="21" name="Shape 21"/>
-          <p:cNvSpPr txBox="1"/>
+          <p:cNvSpPr txBox="1">
+            <a:spLocks noGrp="1"/>
+          </p:cNvSpPr>
           <p:nvPr>
-            <p:ph idx="12" type="sldNum"/>
+            <p:ph type="sldNum" idx="12"/>
           </p:nvPr>
         </p:nvSpPr>
         <p:spPr>
@@ -1829,7 +1920,7 @@
           </a:prstGeom>
         </p:spPr>
         <p:txBody>
-          <a:bodyPr anchorCtr="0" anchor="ctr" bIns="91425" lIns="91425" rIns="91425" tIns="91425">
+          <a:bodyPr lIns="91425" tIns="91425" rIns="91425" bIns="91425" anchor="ctr" anchorCtr="0">
             <a:noAutofit/>
           </a:bodyPr>
           <a:lstStyle/>
@@ -1842,8 +1933,9 @@
             </a:pPr>
             <a:fld id="{00000000-1234-1234-1234-123412341234}" type="slidenum">
               <a:rPr lang="en"/>
-              <a:t>‹#›</a:t>
+              <a:t>‹nº›</a:t>
             </a:fld>
+            <a:endParaRPr lang="en"/>
           </a:p>
         </p:txBody>
       </p:sp>
@@ -1856,11 +1948,11 @@
 </file>
 
 <file path=ppt/slideLayouts/slideLayout4.xml><?xml version="1.0" encoding="utf-8"?>
-<p:sldLayout xmlns:a="http://schemas.openxmlformats.org/drawingml/2006/main" xmlns:r="http://schemas.openxmlformats.org/officeDocument/2006/relationships" xmlns:mc="http://schemas.openxmlformats.org/markup-compatibility/2006" xmlns:mv="urn:schemas-microsoft-com:mac:vml" xmlns:p="http://schemas.openxmlformats.org/presentationml/2006/main" xmlns:c="http://schemas.openxmlformats.org/drawingml/2006/chart" xmlns:dgm="http://schemas.openxmlformats.org/drawingml/2006/diagram" xmlns:o="urn:schemas-microsoft-com:office:office" xmlns:v="urn:schemas-microsoft-com:vml" xmlns:pvml="urn:schemas-microsoft-com:office:powerpoint" xmlns:com="http://schemas.openxmlformats.org/drawingml/2006/compatibility" xmlns:p14="http://schemas.microsoft.com/office/powerpoint/2010/main" type="titleOnly">
+<p:sldLayout xmlns:a="http://schemas.openxmlformats.org/drawingml/2006/main" xmlns:r="http://schemas.openxmlformats.org/officeDocument/2006/relationships" xmlns:p="http://schemas.openxmlformats.org/presentationml/2006/main" type="titleOnly">
   <p:cSld name="Title only">
     <p:spTree>
       <p:nvGrpSpPr>
-        <p:cNvPr id="22" name="Shape 22"/>
+        <p:cNvPr id="1" name="Shape 22"/>
         <p:cNvGrpSpPr/>
         <p:nvPr/>
       </p:nvGrpSpPr>
@@ -1875,7 +1967,9 @@
       <p:sp>
         <p:nvSpPr>
           <p:cNvPr id="23" name="Shape 23"/>
-          <p:cNvSpPr txBox="1"/>
+          <p:cNvSpPr txBox="1">
+            <a:spLocks noGrp="1"/>
+          </p:cNvSpPr>
           <p:nvPr>
             <p:ph type="title"/>
           </p:nvPr>
@@ -1890,7 +1984,7 @@
           </a:prstGeom>
         </p:spPr>
         <p:txBody>
-          <a:bodyPr anchorCtr="0" anchor="b" bIns="91425" lIns="91425" rIns="91425" tIns="91425"/>
+          <a:bodyPr lIns="91425" tIns="91425" rIns="91425" bIns="91425" anchor="b" anchorCtr="0"/>
           <a:lstStyle>
             <a:lvl1pPr lvl="0">
               <a:spcBef>
@@ -1947,15 +2041,19 @@
               <a:defRPr/>
             </a:lvl9pPr>
           </a:lstStyle>
-          <a:p/>
+          <a:p>
+            <a:endParaRPr/>
+          </a:p>
         </p:txBody>
       </p:sp>
       <p:sp>
         <p:nvSpPr>
           <p:cNvPr id="24" name="Shape 24"/>
-          <p:cNvSpPr txBox="1"/>
+          <p:cNvSpPr txBox="1">
+            <a:spLocks noGrp="1"/>
+          </p:cNvSpPr>
           <p:nvPr>
-            <p:ph idx="12" type="sldNum"/>
+            <p:ph type="sldNum" idx="12"/>
           </p:nvPr>
         </p:nvSpPr>
         <p:spPr>
@@ -1968,7 +2066,7 @@
           </a:prstGeom>
         </p:spPr>
         <p:txBody>
-          <a:bodyPr anchorCtr="0" anchor="ctr" bIns="91425" lIns="91425" rIns="91425" tIns="91425">
+          <a:bodyPr lIns="91425" tIns="91425" rIns="91425" bIns="91425" anchor="ctr" anchorCtr="0">
             <a:noAutofit/>
           </a:bodyPr>
           <a:lstStyle/>
@@ -1981,8 +2079,9 @@
             </a:pPr>
             <a:fld id="{00000000-1234-1234-1234-123412341234}" type="slidenum">
               <a:rPr lang="en"/>
-              <a:t>‹#›</a:t>
+              <a:t>‹nº›</a:t>
             </a:fld>
+            <a:endParaRPr lang="en"/>
           </a:p>
         </p:txBody>
       </p:sp>
@@ -1995,11 +2094,11 @@
 </file>
 
 <file path=ppt/slideLayouts/slideLayout5.xml><?xml version="1.0" encoding="utf-8"?>
-<p:sldLayout xmlns:a="http://schemas.openxmlformats.org/drawingml/2006/main" xmlns:r="http://schemas.openxmlformats.org/officeDocument/2006/relationships" xmlns:mc="http://schemas.openxmlformats.org/markup-compatibility/2006" xmlns:mv="urn:schemas-microsoft-com:mac:vml" xmlns:p="http://schemas.openxmlformats.org/presentationml/2006/main" xmlns:c="http://schemas.openxmlformats.org/drawingml/2006/chart" xmlns:dgm="http://schemas.openxmlformats.org/drawingml/2006/diagram" xmlns:o="urn:schemas-microsoft-com:office:office" xmlns:v="urn:schemas-microsoft-com:vml" xmlns:pvml="urn:schemas-microsoft-com:office:powerpoint" xmlns:com="http://schemas.openxmlformats.org/drawingml/2006/compatibility" xmlns:p14="http://schemas.microsoft.com/office/powerpoint/2010/main">
+<p:sldLayout xmlns:a="http://schemas.openxmlformats.org/drawingml/2006/main" xmlns:r="http://schemas.openxmlformats.org/officeDocument/2006/relationships" xmlns:p="http://schemas.openxmlformats.org/presentationml/2006/main">
   <p:cSld name="Caption">
     <p:spTree>
       <p:nvGrpSpPr>
-        <p:cNvPr id="25" name="Shape 25"/>
+        <p:cNvPr id="1" name="Shape 25"/>
         <p:cNvGrpSpPr/>
         <p:nvPr/>
       </p:nvGrpSpPr>
@@ -2014,9 +2113,11 @@
       <p:sp>
         <p:nvSpPr>
           <p:cNvPr id="26" name="Shape 26"/>
-          <p:cNvSpPr txBox="1"/>
+          <p:cNvSpPr txBox="1">
+            <a:spLocks noGrp="1"/>
+          </p:cNvSpPr>
           <p:nvPr>
-            <p:ph idx="1" type="body"/>
+            <p:ph type="body" idx="1"/>
           </p:nvPr>
         </p:nvSpPr>
         <p:spPr>
@@ -2029,7 +2130,7 @@
           </a:prstGeom>
         </p:spPr>
         <p:txBody>
-          <a:bodyPr anchorCtr="0" anchor="t" bIns="91425" lIns="91425" rIns="91425" tIns="91425"/>
+          <a:bodyPr lIns="91425" tIns="91425" rIns="91425" bIns="91425" anchor="t" anchorCtr="0"/>
           <a:lstStyle>
             <a:lvl1pPr lvl="0" algn="ctr">
               <a:spcBef>
@@ -2040,15 +2141,19 @@
               <a:defRPr sz="1800"/>
             </a:lvl1pPr>
           </a:lstStyle>
-          <a:p/>
+          <a:p>
+            <a:endParaRPr/>
+          </a:p>
         </p:txBody>
       </p:sp>
       <p:sp>
         <p:nvSpPr>
           <p:cNvPr id="27" name="Shape 27"/>
-          <p:cNvSpPr txBox="1"/>
+          <p:cNvSpPr txBox="1">
+            <a:spLocks noGrp="1"/>
+          </p:cNvSpPr>
           <p:nvPr>
-            <p:ph idx="12" type="sldNum"/>
+            <p:ph type="sldNum" idx="12"/>
           </p:nvPr>
         </p:nvSpPr>
         <p:spPr>
@@ -2061,7 +2166,7 @@
           </a:prstGeom>
         </p:spPr>
         <p:txBody>
-          <a:bodyPr anchorCtr="0" anchor="ctr" bIns="91425" lIns="91425" rIns="91425" tIns="91425">
+          <a:bodyPr lIns="91425" tIns="91425" rIns="91425" bIns="91425" anchor="ctr" anchorCtr="0">
             <a:noAutofit/>
           </a:bodyPr>
           <a:lstStyle/>
@@ -2074,8 +2179,9 @@
             </a:pPr>
             <a:fld id="{00000000-1234-1234-1234-123412341234}" type="slidenum">
               <a:rPr lang="en"/>
-              <a:t>‹#›</a:t>
+              <a:t>‹nº›</a:t>
             </a:fld>
+            <a:endParaRPr lang="en"/>
           </a:p>
         </p:txBody>
       </p:sp>
@@ -2088,11 +2194,11 @@
 </file>
 
 <file path=ppt/slideLayouts/slideLayout6.xml><?xml version="1.0" encoding="utf-8"?>
-<p:sldLayout xmlns:a="http://schemas.openxmlformats.org/drawingml/2006/main" xmlns:r="http://schemas.openxmlformats.org/officeDocument/2006/relationships" xmlns:mc="http://schemas.openxmlformats.org/markup-compatibility/2006" xmlns:mv="urn:schemas-microsoft-com:mac:vml" xmlns:p="http://schemas.openxmlformats.org/presentationml/2006/main" xmlns:c="http://schemas.openxmlformats.org/drawingml/2006/chart" xmlns:dgm="http://schemas.openxmlformats.org/drawingml/2006/diagram" xmlns:o="urn:schemas-microsoft-com:office:office" xmlns:v="urn:schemas-microsoft-com:vml" xmlns:pvml="urn:schemas-microsoft-com:office:powerpoint" xmlns:com="http://schemas.openxmlformats.org/drawingml/2006/compatibility" xmlns:p14="http://schemas.microsoft.com/office/powerpoint/2010/main" type="blank">
+<p:sldLayout xmlns:a="http://schemas.openxmlformats.org/drawingml/2006/main" xmlns:r="http://schemas.openxmlformats.org/officeDocument/2006/relationships" xmlns:p="http://schemas.openxmlformats.org/presentationml/2006/main" type="blank">
   <p:cSld name="Blank">
     <p:spTree>
       <p:nvGrpSpPr>
-        <p:cNvPr id="28" name="Shape 28"/>
+        <p:cNvPr id="1" name="Shape 28"/>
         <p:cNvGrpSpPr/>
         <p:nvPr/>
       </p:nvGrpSpPr>
@@ -2107,9 +2213,11 @@
       <p:sp>
         <p:nvSpPr>
           <p:cNvPr id="29" name="Shape 29"/>
-          <p:cNvSpPr txBox="1"/>
+          <p:cNvSpPr txBox="1">
+            <a:spLocks noGrp="1"/>
+          </p:cNvSpPr>
           <p:nvPr>
-            <p:ph idx="12" type="sldNum"/>
+            <p:ph type="sldNum" idx="12"/>
           </p:nvPr>
         </p:nvSpPr>
         <p:spPr>
@@ -2122,7 +2230,7 @@
           </a:prstGeom>
         </p:spPr>
         <p:txBody>
-          <a:bodyPr anchorCtr="0" anchor="ctr" bIns="91425" lIns="91425" rIns="91425" tIns="91425">
+          <a:bodyPr lIns="91425" tIns="91425" rIns="91425" bIns="91425" anchor="ctr" anchorCtr="0">
             <a:noAutofit/>
           </a:bodyPr>
           <a:lstStyle/>
@@ -2135,8 +2243,9 @@
             </a:pPr>
             <a:fld id="{00000000-1234-1234-1234-123412341234}" type="slidenum">
               <a:rPr lang="en"/>
-              <a:t>‹#›</a:t>
+              <a:t>‹nº›</a:t>
             </a:fld>
+            <a:endParaRPr lang="en"/>
           </a:p>
         </p:txBody>
       </p:sp>
@@ -2149,18 +2258,19 @@
 </file>
 
 <file path=ppt/slideMasters/slideMaster1.xml><?xml version="1.0" encoding="utf-8"?>
-<p:sldMaster xmlns:a="http://schemas.openxmlformats.org/drawingml/2006/main" xmlns:r="http://schemas.openxmlformats.org/officeDocument/2006/relationships" xmlns:mc="http://schemas.openxmlformats.org/markup-compatibility/2006" xmlns:mv="urn:schemas-microsoft-com:mac:vml" xmlns:p="http://schemas.openxmlformats.org/presentationml/2006/main" xmlns:c="http://schemas.openxmlformats.org/drawingml/2006/chart" xmlns:dgm="http://schemas.openxmlformats.org/drawingml/2006/diagram" xmlns:o="urn:schemas-microsoft-com:office:office" xmlns:v="urn:schemas-microsoft-com:vml" xmlns:pvml="urn:schemas-microsoft-com:office:powerpoint" xmlns:com="http://schemas.openxmlformats.org/drawingml/2006/compatibility" xmlns:p14="http://schemas.microsoft.com/office/powerpoint/2010/main">
+<p:sldMaster xmlns:a="http://schemas.openxmlformats.org/drawingml/2006/main" xmlns:r="http://schemas.openxmlformats.org/officeDocument/2006/relationships" xmlns:p="http://schemas.openxmlformats.org/presentationml/2006/main">
   <p:cSld>
     <p:bg>
       <p:bgPr>
         <a:solidFill>
           <a:schemeClr val="lt1"/>
         </a:solidFill>
+        <a:effectLst/>
       </p:bgPr>
     </p:bg>
     <p:spTree>
       <p:nvGrpSpPr>
-        <p:cNvPr id="5" name="Shape 5"/>
+        <p:cNvPr id="1" name="Shape 5"/>
         <p:cNvGrpSpPr/>
         <p:nvPr/>
       </p:nvGrpSpPr>
@@ -2175,7 +2285,9 @@
       <p:sp>
         <p:nvSpPr>
           <p:cNvPr id="6" name="Shape 6"/>
-          <p:cNvSpPr txBox="1"/>
+          <p:cNvSpPr txBox="1">
+            <a:spLocks noGrp="1"/>
+          </p:cNvSpPr>
           <p:nvPr>
             <p:ph type="title"/>
           </p:nvPr>
@@ -2194,7 +2306,7 @@
           </a:ln>
         </p:spPr>
         <p:txBody>
-          <a:bodyPr anchorCtr="0" anchor="b" bIns="91425" lIns="91425" rIns="91425" tIns="91425"/>
+          <a:bodyPr lIns="91425" tIns="91425" rIns="91425" bIns="91425" anchor="b" anchorCtr="0"/>
           <a:lstStyle>
             <a:lvl1pPr lvl="0">
               <a:spcBef>
@@ -2205,7 +2317,7 @@
               </a:buClr>
               <a:buSzPct val="100000"/>
               <a:buNone/>
-              <a:defRPr b="1" sz="3600">
+              <a:defRPr sz="3600" b="1">
                 <a:solidFill>
                   <a:schemeClr val="dk1"/>
                 </a:solidFill>
@@ -2220,7 +2332,7 @@
               </a:buClr>
               <a:buSzPct val="100000"/>
               <a:buNone/>
-              <a:defRPr b="1" sz="3600">
+              <a:defRPr sz="3600" b="1">
                 <a:solidFill>
                   <a:schemeClr val="dk1"/>
                 </a:solidFill>
@@ -2235,7 +2347,7 @@
               </a:buClr>
               <a:buSzPct val="100000"/>
               <a:buNone/>
-              <a:defRPr b="1" sz="3600">
+              <a:defRPr sz="3600" b="1">
                 <a:solidFill>
                   <a:schemeClr val="dk1"/>
                 </a:solidFill>
@@ -2250,7 +2362,7 @@
               </a:buClr>
               <a:buSzPct val="100000"/>
               <a:buNone/>
-              <a:defRPr b="1" sz="3600">
+              <a:defRPr sz="3600" b="1">
                 <a:solidFill>
                   <a:schemeClr val="dk1"/>
                 </a:solidFill>
@@ -2265,7 +2377,7 @@
               </a:buClr>
               <a:buSzPct val="100000"/>
               <a:buNone/>
-              <a:defRPr b="1" sz="3600">
+              <a:defRPr sz="3600" b="1">
                 <a:solidFill>
                   <a:schemeClr val="dk1"/>
                 </a:solidFill>
@@ -2280,7 +2392,7 @@
               </a:buClr>
               <a:buSzPct val="100000"/>
               <a:buNone/>
-              <a:defRPr b="1" sz="3600">
+              <a:defRPr sz="3600" b="1">
                 <a:solidFill>
                   <a:schemeClr val="dk1"/>
                 </a:solidFill>
@@ -2295,7 +2407,7 @@
               </a:buClr>
               <a:buSzPct val="100000"/>
               <a:buNone/>
-              <a:defRPr b="1" sz="3600">
+              <a:defRPr sz="3600" b="1">
                 <a:solidFill>
                   <a:schemeClr val="dk1"/>
                 </a:solidFill>
@@ -2310,7 +2422,7 @@
               </a:buClr>
               <a:buSzPct val="100000"/>
               <a:buNone/>
-              <a:defRPr b="1" sz="3600">
+              <a:defRPr sz="3600" b="1">
                 <a:solidFill>
                   <a:schemeClr val="dk1"/>
                 </a:solidFill>
@@ -2325,22 +2437,26 @@
               </a:buClr>
               <a:buSzPct val="100000"/>
               <a:buNone/>
-              <a:defRPr b="1" sz="3600">
+              <a:defRPr sz="3600" b="1">
                 <a:solidFill>
                   <a:schemeClr val="dk1"/>
                 </a:solidFill>
               </a:defRPr>
             </a:lvl9pPr>
           </a:lstStyle>
-          <a:p/>
+          <a:p>
+            <a:endParaRPr/>
+          </a:p>
         </p:txBody>
       </p:sp>
       <p:sp>
         <p:nvSpPr>
           <p:cNvPr id="7" name="Shape 7"/>
-          <p:cNvSpPr txBox="1"/>
+          <p:cNvSpPr txBox="1">
+            <a:spLocks noGrp="1"/>
+          </p:cNvSpPr>
           <p:nvPr>
-            <p:ph idx="1" type="body"/>
+            <p:ph type="body" idx="1"/>
           </p:nvPr>
         </p:nvSpPr>
         <p:spPr>
@@ -2357,7 +2473,7 @@
           </a:ln>
         </p:spPr>
         <p:txBody>
-          <a:bodyPr anchorCtr="0" anchor="t" bIns="91425" lIns="91425" rIns="91425" tIns="91425"/>
+          <a:bodyPr lIns="91425" tIns="91425" rIns="91425" bIns="91425" anchor="t" anchorCtr="0"/>
           <a:lstStyle>
             <a:lvl1pPr lvl="0">
               <a:spcBef>
@@ -2486,15 +2602,19 @@
               </a:defRPr>
             </a:lvl9pPr>
           </a:lstStyle>
-          <a:p/>
+          <a:p>
+            <a:endParaRPr/>
+          </a:p>
         </p:txBody>
       </p:sp>
       <p:sp>
         <p:nvSpPr>
           <p:cNvPr id="8" name="Shape 8"/>
-          <p:cNvSpPr txBox="1"/>
+          <p:cNvSpPr txBox="1">
+            <a:spLocks noGrp="1"/>
+          </p:cNvSpPr>
           <p:nvPr>
-            <p:ph idx="12" type="sldNum"/>
+            <p:ph type="sldNum" idx="12"/>
           </p:nvPr>
         </p:nvSpPr>
         <p:spPr>
@@ -2511,7 +2631,7 @@
           </a:ln>
         </p:spPr>
         <p:txBody>
-          <a:bodyPr anchorCtr="0" anchor="ctr" bIns="91425" lIns="91425" rIns="91425" tIns="91425">
+          <a:bodyPr lIns="91425" tIns="91425" rIns="91425" bIns="91425" anchor="ctr" anchorCtr="0">
             <a:noAutofit/>
           </a:bodyPr>
           <a:lstStyle/>
@@ -2528,14 +2648,19 @@
                   <a:schemeClr val="dk1"/>
                 </a:solidFill>
               </a:rPr>
-              <a:t>‹#›</a:t>
+              <a:t>‹nº›</a:t>
             </a:fld>
+            <a:endParaRPr lang="en" sz="1300">
+              <a:solidFill>
+                <a:schemeClr val="dk1"/>
+              </a:solidFill>
+            </a:endParaRPr>
           </a:p>
         </p:txBody>
       </p:sp>
     </p:spTree>
   </p:cSld>
-  <p:clrMap accent1="accent1" accent2="accent2" accent3="accent3" accent4="accent4" accent5="accent5" accent6="accent6" bg1="lt1" bg2="dk2" tx1="dk1" tx2="lt2" folHlink="folHlink" hlink="hlink"/>
+  <p:clrMap bg1="lt1" tx1="dk1" bg2="dk2" tx2="lt2" accent1="accent1" accent2="accent2" accent3="accent3" accent4="accent4" accent5="accent5" accent6="accent6" hlink="hlink" folHlink="folHlink"/>
   <p:sldLayoutIdLst>
     <p:sldLayoutId id="2147483648" r:id="rId1"/>
     <p:sldLayoutId id="2147483649" r:id="rId2"/>
@@ -2544,10 +2669,10 @@
     <p:sldLayoutId id="2147483652" r:id="rId5"/>
     <p:sldLayoutId id="2147483653" r:id="rId6"/>
   </p:sldLayoutIdLst>
-  <p:hf dt="0" ftr="0" hdr="0" sldNum="0"/>
+  <p:hf sldNum="0" hdr="0" ftr="0" dt="0"/>
   <p:txStyles>
     <p:titleStyle>
-      <a:defPPr lvl="0" marR="0" rtl="0" algn="l">
+      <a:defPPr marR="0" lvl="0" algn="l" rtl="0">
         <a:lnSpc>
           <a:spcPct val="100000"/>
         </a:lnSpc>
@@ -2558,7 +2683,7 @@
           <a:spcPts val="0"/>
         </a:spcAft>
       </a:defPPr>
-      <a:lvl1pPr lvl="0" marR="0" rtl="0" algn="l">
+      <a:lvl1pPr marR="0" lvl="0" algn="l" rtl="0">
         <a:lnSpc>
           <a:spcPct val="100000"/>
         </a:lnSpc>
@@ -2569,7 +2694,7 @@
           <a:spcPts val="0"/>
         </a:spcAft>
         <a:buNone/>
-        <a:defRPr b="0" i="0" sz="1400" u="none" cap="none" strike="noStrike">
+        <a:defRPr sz="1400" b="0" i="0" u="none" strike="noStrike" cap="none">
           <a:solidFill>
             <a:srgbClr val="000000"/>
           </a:solidFill>
@@ -2581,7 +2706,7 @@
       </a:lvl1pPr>
     </p:titleStyle>
     <p:bodyStyle>
-      <a:defPPr lvl="0" marR="0" rtl="0" algn="l">
+      <a:defPPr marR="0" lvl="0" algn="l" rtl="0">
         <a:lnSpc>
           <a:spcPct val="100000"/>
         </a:lnSpc>
@@ -2592,7 +2717,7 @@
           <a:spcPts val="0"/>
         </a:spcAft>
       </a:defPPr>
-      <a:lvl1pPr lvl="0" marR="0" rtl="0" algn="l">
+      <a:lvl1pPr marR="0" lvl="0" algn="l" rtl="0">
         <a:lnSpc>
           <a:spcPct val="100000"/>
         </a:lnSpc>
@@ -2603,7 +2728,7 @@
           <a:spcPts val="0"/>
         </a:spcAft>
         <a:buNone/>
-        <a:defRPr b="0" i="0" sz="1400" u="none" cap="none" strike="noStrike">
+        <a:defRPr sz="1400" b="0" i="0" u="none" strike="noStrike" cap="none">
           <a:solidFill>
             <a:srgbClr val="000000"/>
           </a:solidFill>
@@ -2613,7 +2738,7 @@
           <a:sym typeface="Arial"/>
         </a:defRPr>
       </a:lvl1pPr>
-      <a:lvl2pPr lvl="1" marR="0" rtl="0" algn="l">
+      <a:lvl2pPr marR="0" lvl="1" algn="l" rtl="0">
         <a:lnSpc>
           <a:spcPct val="100000"/>
         </a:lnSpc>
@@ -2624,7 +2749,7 @@
           <a:spcPts val="0"/>
         </a:spcAft>
         <a:buNone/>
-        <a:defRPr b="0" i="0" sz="1400" u="none" cap="none" strike="noStrike">
+        <a:defRPr sz="1400" b="0" i="0" u="none" strike="noStrike" cap="none">
           <a:solidFill>
             <a:srgbClr val="000000"/>
           </a:solidFill>
@@ -2634,7 +2759,7 @@
           <a:sym typeface="Arial"/>
         </a:defRPr>
       </a:lvl2pPr>
-      <a:lvl3pPr lvl="2" marR="0" rtl="0" algn="l">
+      <a:lvl3pPr marR="0" lvl="2" algn="l" rtl="0">
         <a:lnSpc>
           <a:spcPct val="100000"/>
         </a:lnSpc>
@@ -2645,7 +2770,7 @@
           <a:spcPts val="0"/>
         </a:spcAft>
         <a:buNone/>
-        <a:defRPr b="0" i="0" sz="1400" u="none" cap="none" strike="noStrike">
+        <a:defRPr sz="1400" b="0" i="0" u="none" strike="noStrike" cap="none">
           <a:solidFill>
             <a:srgbClr val="000000"/>
           </a:solidFill>
@@ -2655,7 +2780,7 @@
           <a:sym typeface="Arial"/>
         </a:defRPr>
       </a:lvl3pPr>
-      <a:lvl4pPr lvl="3" marR="0" rtl="0" algn="l">
+      <a:lvl4pPr marR="0" lvl="3" algn="l" rtl="0">
         <a:lnSpc>
           <a:spcPct val="100000"/>
         </a:lnSpc>
@@ -2666,7 +2791,7 @@
           <a:spcPts val="0"/>
         </a:spcAft>
         <a:buNone/>
-        <a:defRPr b="0" i="0" sz="1400" u="none" cap="none" strike="noStrike">
+        <a:defRPr sz="1400" b="0" i="0" u="none" strike="noStrike" cap="none">
           <a:solidFill>
             <a:srgbClr val="000000"/>
           </a:solidFill>
@@ -2676,7 +2801,7 @@
           <a:sym typeface="Arial"/>
         </a:defRPr>
       </a:lvl4pPr>
-      <a:lvl5pPr lvl="4" marR="0" rtl="0" algn="l">
+      <a:lvl5pPr marR="0" lvl="4" algn="l" rtl="0">
         <a:lnSpc>
           <a:spcPct val="100000"/>
         </a:lnSpc>
@@ -2687,7 +2812,7 @@
           <a:spcPts val="0"/>
         </a:spcAft>
         <a:buNone/>
-        <a:defRPr b="0" i="0" sz="1400" u="none" cap="none" strike="noStrike">
+        <a:defRPr sz="1400" b="0" i="0" u="none" strike="noStrike" cap="none">
           <a:solidFill>
             <a:srgbClr val="000000"/>
           </a:solidFill>
@@ -2697,7 +2822,7 @@
           <a:sym typeface="Arial"/>
         </a:defRPr>
       </a:lvl5pPr>
-      <a:lvl6pPr lvl="5" marR="0" rtl="0" algn="l">
+      <a:lvl6pPr marR="0" lvl="5" algn="l" rtl="0">
         <a:lnSpc>
           <a:spcPct val="100000"/>
         </a:lnSpc>
@@ -2708,7 +2833,7 @@
           <a:spcPts val="0"/>
         </a:spcAft>
         <a:buNone/>
-        <a:defRPr b="0" i="0" sz="1400" u="none" cap="none" strike="noStrike">
+        <a:defRPr sz="1400" b="0" i="0" u="none" strike="noStrike" cap="none">
           <a:solidFill>
             <a:srgbClr val="000000"/>
           </a:solidFill>
@@ -2718,7 +2843,7 @@
           <a:sym typeface="Arial"/>
         </a:defRPr>
       </a:lvl6pPr>
-      <a:lvl7pPr lvl="6" marR="0" rtl="0" algn="l">
+      <a:lvl7pPr marR="0" lvl="6" algn="l" rtl="0">
         <a:lnSpc>
           <a:spcPct val="100000"/>
         </a:lnSpc>
@@ -2729,7 +2854,7 @@
           <a:spcPts val="0"/>
         </a:spcAft>
         <a:buNone/>
-        <a:defRPr b="0" i="0" sz="1400" u="none" cap="none" strike="noStrike">
+        <a:defRPr sz="1400" b="0" i="0" u="none" strike="noStrike" cap="none">
           <a:solidFill>
             <a:srgbClr val="000000"/>
           </a:solidFill>
@@ -2739,7 +2864,7 @@
           <a:sym typeface="Arial"/>
         </a:defRPr>
       </a:lvl7pPr>
-      <a:lvl8pPr lvl="7" marR="0" rtl="0" algn="l">
+      <a:lvl8pPr marR="0" lvl="7" algn="l" rtl="0">
         <a:lnSpc>
           <a:spcPct val="100000"/>
         </a:lnSpc>
@@ -2750,7 +2875,7 @@
           <a:spcPts val="0"/>
         </a:spcAft>
         <a:buNone/>
-        <a:defRPr b="0" i="0" sz="1400" u="none" cap="none" strike="noStrike">
+        <a:defRPr sz="1400" b="0" i="0" u="none" strike="noStrike" cap="none">
           <a:solidFill>
             <a:srgbClr val="000000"/>
           </a:solidFill>
@@ -2760,7 +2885,7 @@
           <a:sym typeface="Arial"/>
         </a:defRPr>
       </a:lvl8pPr>
-      <a:lvl9pPr lvl="8" marR="0" rtl="0" algn="l">
+      <a:lvl9pPr marR="0" lvl="8" algn="l" rtl="0">
         <a:lnSpc>
           <a:spcPct val="100000"/>
         </a:lnSpc>
@@ -2771,7 +2896,7 @@
           <a:spcPts val="0"/>
         </a:spcAft>
         <a:buNone/>
-        <a:defRPr b="0" i="0" sz="1400" u="none" cap="none" strike="noStrike">
+        <a:defRPr sz="1400" b="0" i="0" u="none" strike="noStrike" cap="none">
           <a:solidFill>
             <a:srgbClr val="000000"/>
           </a:solidFill>
@@ -2783,7 +2908,7 @@
       </a:lvl9pPr>
     </p:bodyStyle>
     <p:otherStyle>
-      <a:defPPr lvl="0" marR="0" rtl="0" algn="l">
+      <a:defPPr marR="0" lvl="0" algn="l" rtl="0">
         <a:lnSpc>
           <a:spcPct val="100000"/>
         </a:lnSpc>
@@ -2794,7 +2919,7 @@
           <a:spcPts val="0"/>
         </a:spcAft>
       </a:defPPr>
-      <a:lvl1pPr lvl="0" marR="0" rtl="0" algn="l">
+      <a:lvl1pPr marR="0" lvl="0" algn="l" rtl="0">
         <a:lnSpc>
           <a:spcPct val="100000"/>
         </a:lnSpc>
@@ -2805,7 +2930,7 @@
           <a:spcPts val="0"/>
         </a:spcAft>
         <a:buNone/>
-        <a:defRPr b="0" i="0" sz="1400" u="none" cap="none" strike="noStrike">
+        <a:defRPr sz="1400" b="0" i="0" u="none" strike="noStrike" cap="none">
           <a:solidFill>
             <a:srgbClr val="000000"/>
           </a:solidFill>
@@ -2815,7 +2940,7 @@
           <a:sym typeface="Arial"/>
         </a:defRPr>
       </a:lvl1pPr>
-      <a:lvl2pPr lvl="1" marR="0" rtl="0" algn="l">
+      <a:lvl2pPr marR="0" lvl="1" algn="l" rtl="0">
         <a:lnSpc>
           <a:spcPct val="100000"/>
         </a:lnSpc>
@@ -2826,7 +2951,7 @@
           <a:spcPts val="0"/>
         </a:spcAft>
         <a:buNone/>
-        <a:defRPr b="0" i="0" sz="1400" u="none" cap="none" strike="noStrike">
+        <a:defRPr sz="1400" b="0" i="0" u="none" strike="noStrike" cap="none">
           <a:solidFill>
             <a:srgbClr val="000000"/>
           </a:solidFill>
@@ -2836,7 +2961,7 @@
           <a:sym typeface="Arial"/>
         </a:defRPr>
       </a:lvl2pPr>
-      <a:lvl3pPr lvl="2" marR="0" rtl="0" algn="l">
+      <a:lvl3pPr marR="0" lvl="2" algn="l" rtl="0">
         <a:lnSpc>
           <a:spcPct val="100000"/>
         </a:lnSpc>
@@ -2847,7 +2972,7 @@
           <a:spcPts val="0"/>
         </a:spcAft>
         <a:buNone/>
-        <a:defRPr b="0" i="0" sz="1400" u="none" cap="none" strike="noStrike">
+        <a:defRPr sz="1400" b="0" i="0" u="none" strike="noStrike" cap="none">
           <a:solidFill>
             <a:srgbClr val="000000"/>
           </a:solidFill>
@@ -2857,7 +2982,7 @@
           <a:sym typeface="Arial"/>
         </a:defRPr>
       </a:lvl3pPr>
-      <a:lvl4pPr lvl="3" marR="0" rtl="0" algn="l">
+      <a:lvl4pPr marR="0" lvl="3" algn="l" rtl="0">
         <a:lnSpc>
           <a:spcPct val="100000"/>
         </a:lnSpc>
@@ -2868,7 +2993,7 @@
           <a:spcPts val="0"/>
         </a:spcAft>
         <a:buNone/>
-        <a:defRPr b="0" i="0" sz="1400" u="none" cap="none" strike="noStrike">
+        <a:defRPr sz="1400" b="0" i="0" u="none" strike="noStrike" cap="none">
           <a:solidFill>
             <a:srgbClr val="000000"/>
           </a:solidFill>
@@ -2878,7 +3003,7 @@
           <a:sym typeface="Arial"/>
         </a:defRPr>
       </a:lvl4pPr>
-      <a:lvl5pPr lvl="4" marR="0" rtl="0" algn="l">
+      <a:lvl5pPr marR="0" lvl="4" algn="l" rtl="0">
         <a:lnSpc>
           <a:spcPct val="100000"/>
         </a:lnSpc>
@@ -2889,7 +3014,7 @@
           <a:spcPts val="0"/>
         </a:spcAft>
         <a:buNone/>
-        <a:defRPr b="0" i="0" sz="1400" u="none" cap="none" strike="noStrike">
+        <a:defRPr sz="1400" b="0" i="0" u="none" strike="noStrike" cap="none">
           <a:solidFill>
             <a:srgbClr val="000000"/>
           </a:solidFill>
@@ -2899,7 +3024,7 @@
           <a:sym typeface="Arial"/>
         </a:defRPr>
       </a:lvl5pPr>
-      <a:lvl6pPr lvl="5" marR="0" rtl="0" algn="l">
+      <a:lvl6pPr marR="0" lvl="5" algn="l" rtl="0">
         <a:lnSpc>
           <a:spcPct val="100000"/>
         </a:lnSpc>
@@ -2910,7 +3035,7 @@
           <a:spcPts val="0"/>
         </a:spcAft>
         <a:buNone/>
-        <a:defRPr b="0" i="0" sz="1400" u="none" cap="none" strike="noStrike">
+        <a:defRPr sz="1400" b="0" i="0" u="none" strike="noStrike" cap="none">
           <a:solidFill>
             <a:srgbClr val="000000"/>
           </a:solidFill>
@@ -2920,7 +3045,7 @@
           <a:sym typeface="Arial"/>
         </a:defRPr>
       </a:lvl6pPr>
-      <a:lvl7pPr lvl="6" marR="0" rtl="0" algn="l">
+      <a:lvl7pPr marR="0" lvl="6" algn="l" rtl="0">
         <a:lnSpc>
           <a:spcPct val="100000"/>
         </a:lnSpc>
@@ -2931,7 +3056,7 @@
           <a:spcPts val="0"/>
         </a:spcAft>
         <a:buNone/>
-        <a:defRPr b="0" i="0" sz="1400" u="none" cap="none" strike="noStrike">
+        <a:defRPr sz="1400" b="0" i="0" u="none" strike="noStrike" cap="none">
           <a:solidFill>
             <a:srgbClr val="000000"/>
           </a:solidFill>
@@ -2941,7 +3066,7 @@
           <a:sym typeface="Arial"/>
         </a:defRPr>
       </a:lvl7pPr>
-      <a:lvl8pPr lvl="7" marR="0" rtl="0" algn="l">
+      <a:lvl8pPr marR="0" lvl="7" algn="l" rtl="0">
         <a:lnSpc>
           <a:spcPct val="100000"/>
         </a:lnSpc>
@@ -2952,7 +3077,7 @@
           <a:spcPts val="0"/>
         </a:spcAft>
         <a:buNone/>
-        <a:defRPr b="0" i="0" sz="1400" u="none" cap="none" strike="noStrike">
+        <a:defRPr sz="1400" b="0" i="0" u="none" strike="noStrike" cap="none">
           <a:solidFill>
             <a:srgbClr val="000000"/>
           </a:solidFill>
@@ -2962,7 +3087,7 @@
           <a:sym typeface="Arial"/>
         </a:defRPr>
       </a:lvl8pPr>
-      <a:lvl9pPr lvl="8" marR="0" rtl="0" algn="l">
+      <a:lvl9pPr marR="0" lvl="8" algn="l" rtl="0">
         <a:lnSpc>
           <a:spcPct val="100000"/>
         </a:lnSpc>
@@ -2973,7 +3098,7 @@
           <a:spcPts val="0"/>
         </a:spcAft>
         <a:buNone/>
-        <a:defRPr b="0" i="0" sz="1400" u="none" cap="none" strike="noStrike">
+        <a:defRPr sz="1400" b="0" i="0" u="none" strike="noStrike" cap="none">
           <a:solidFill>
             <a:srgbClr val="000000"/>
           </a:solidFill>
@@ -2989,11 +3114,11 @@
 </file>
 
 <file path=ppt/slides/slide1.xml><?xml version="1.0" encoding="utf-8"?>
-<p:sld xmlns:a="http://schemas.openxmlformats.org/drawingml/2006/main" xmlns:r="http://schemas.openxmlformats.org/officeDocument/2006/relationships" xmlns:mc="http://schemas.openxmlformats.org/markup-compatibility/2006" xmlns:mv="urn:schemas-microsoft-com:mac:vml" xmlns:p="http://schemas.openxmlformats.org/presentationml/2006/main" xmlns:c="http://schemas.openxmlformats.org/drawingml/2006/chart" xmlns:dgm="http://schemas.openxmlformats.org/drawingml/2006/diagram" xmlns:o="urn:schemas-microsoft-com:office:office" xmlns:v="urn:schemas-microsoft-com:vml" xmlns:pvml="urn:schemas-microsoft-com:office:powerpoint" xmlns:com="http://schemas.openxmlformats.org/drawingml/2006/compatibility" xmlns:p14="http://schemas.microsoft.com/office/powerpoint/2010/main">
+<p:sld xmlns:a="http://schemas.openxmlformats.org/drawingml/2006/main" xmlns:r="http://schemas.openxmlformats.org/officeDocument/2006/relationships" xmlns:p="http://schemas.openxmlformats.org/presentationml/2006/main">
   <p:cSld>
     <p:spTree>
       <p:nvGrpSpPr>
-        <p:cNvPr id="33" name="Shape 33"/>
+        <p:cNvPr id="1" name="Shape 33"/>
         <p:cNvGrpSpPr/>
         <p:nvPr/>
       </p:nvGrpSpPr>
@@ -3008,7 +3133,9 @@
       <p:sp>
         <p:nvSpPr>
           <p:cNvPr id="34" name="Shape 34"/>
-          <p:cNvSpPr txBox="1"/>
+          <p:cNvSpPr txBox="1">
+            <a:spLocks noGrp="1"/>
+          </p:cNvSpPr>
           <p:nvPr>
             <p:ph type="ctrTitle"/>
           </p:nvPr>
@@ -3023,7 +3150,7 @@
           </a:prstGeom>
         </p:spPr>
         <p:txBody>
-          <a:bodyPr anchorCtr="0" anchor="b" bIns="91425" lIns="91425" rIns="91425" tIns="91425">
+          <a:bodyPr lIns="91425" tIns="91425" rIns="91425" bIns="91425" anchor="b" anchorCtr="0">
             <a:noAutofit/>
           </a:bodyPr>
           <a:lstStyle/>
@@ -3035,18 +3162,21 @@
               <a:buNone/>
             </a:pPr>
             <a:r>
-              <a:rPr lang="en"/>
-              <a:t>nome da aplicação</a:t>
+              <a:rPr lang="pt-BR" dirty="0"/>
+              <a:t>CELLPHONE LIBRARY</a:t>
             </a:r>
+            <a:endParaRPr lang="en" dirty="0"/>
           </a:p>
         </p:txBody>
       </p:sp>
       <p:sp>
         <p:nvSpPr>
           <p:cNvPr id="35" name="Shape 35"/>
-          <p:cNvSpPr txBox="1"/>
+          <p:cNvSpPr txBox="1">
+            <a:spLocks noGrp="1"/>
+          </p:cNvSpPr>
           <p:nvPr>
-            <p:ph idx="1" type="subTitle"/>
+            <p:ph type="subTitle" idx="1"/>
           </p:nvPr>
         </p:nvSpPr>
         <p:spPr>
@@ -3059,7 +3189,7 @@
           </a:prstGeom>
         </p:spPr>
         <p:txBody>
-          <a:bodyPr anchorCtr="0" anchor="t" bIns="91425" lIns="91425" rIns="91425" tIns="91425">
+          <a:bodyPr lIns="91425" tIns="91425" rIns="91425" bIns="91425" anchor="t" anchorCtr="0">
             <a:noAutofit/>
           </a:bodyPr>
           <a:lstStyle/>
@@ -3071,9 +3201,22 @@
               <a:buNone/>
             </a:pPr>
             <a:r>
-              <a:rPr lang="en"/>
-              <a:t>identificação do grupo</a:t>
+              <a:rPr lang="pt-BR" dirty="0"/>
+              <a:t>Grupo 3 – Empréstimo Celular</a:t>
             </a:r>
+          </a:p>
+          <a:p>
+            <a:pPr lvl="0">
+              <a:spcBef>
+                <a:spcPts val="0"/>
+              </a:spcBef>
+              <a:buNone/>
+            </a:pPr>
+            <a:r>
+              <a:rPr lang="pt-BR" dirty="0"/>
+              <a:t>Membros: João Silva, Jomar Cardoso, Lucas Gaspar</a:t>
+            </a:r>
+            <a:endParaRPr lang="en" dirty="0"/>
           </a:p>
         </p:txBody>
       </p:sp>
@@ -3086,11 +3229,11 @@
 </file>
 
 <file path=ppt/slides/slide2.xml><?xml version="1.0" encoding="utf-8"?>
-<p:sld xmlns:a="http://schemas.openxmlformats.org/drawingml/2006/main" xmlns:r="http://schemas.openxmlformats.org/officeDocument/2006/relationships" xmlns:mc="http://schemas.openxmlformats.org/markup-compatibility/2006" xmlns:mv="urn:schemas-microsoft-com:mac:vml" xmlns:p="http://schemas.openxmlformats.org/presentationml/2006/main" xmlns:c="http://schemas.openxmlformats.org/drawingml/2006/chart" xmlns:dgm="http://schemas.openxmlformats.org/drawingml/2006/diagram" xmlns:o="urn:schemas-microsoft-com:office:office" xmlns:v="urn:schemas-microsoft-com:vml" xmlns:pvml="urn:schemas-microsoft-com:office:powerpoint" xmlns:com="http://schemas.openxmlformats.org/drawingml/2006/compatibility" xmlns:p14="http://schemas.microsoft.com/office/powerpoint/2010/main">
+<p:sld xmlns:a="http://schemas.openxmlformats.org/drawingml/2006/main" xmlns:r="http://schemas.openxmlformats.org/officeDocument/2006/relationships" xmlns:p="http://schemas.openxmlformats.org/presentationml/2006/main">
   <p:cSld>
     <p:spTree>
       <p:nvGrpSpPr>
-        <p:cNvPr id="39" name="Shape 39"/>
+        <p:cNvPr id="1" name="Shape 39"/>
         <p:cNvGrpSpPr/>
         <p:nvPr/>
       </p:nvGrpSpPr>
@@ -3105,7 +3248,9 @@
       <p:sp>
         <p:nvSpPr>
           <p:cNvPr id="40" name="Shape 40"/>
-          <p:cNvSpPr txBox="1"/>
+          <p:cNvSpPr txBox="1">
+            <a:spLocks noGrp="1"/>
+          </p:cNvSpPr>
           <p:nvPr>
             <p:ph type="title"/>
           </p:nvPr>
@@ -3120,7 +3265,7 @@
           </a:prstGeom>
         </p:spPr>
         <p:txBody>
-          <a:bodyPr anchorCtr="0" anchor="b" bIns="91425" lIns="91425" rIns="91425" tIns="91425">
+          <a:bodyPr lIns="91425" tIns="91425" rIns="91425" bIns="91425" anchor="b" anchorCtr="0">
             <a:noAutofit/>
           </a:bodyPr>
           <a:lstStyle/>
@@ -3132,18 +3277,21 @@
               <a:buNone/>
             </a:pPr>
             <a:r>
-              <a:rPr lang="en"/>
-              <a:t>Definição do escopo</a:t>
+              <a:rPr lang="pt-BR" dirty="0"/>
+              <a:t>DEFINIÇÕES DO ESCOPO</a:t>
             </a:r>
+            <a:endParaRPr lang="en" dirty="0"/>
           </a:p>
         </p:txBody>
       </p:sp>
       <p:sp>
         <p:nvSpPr>
           <p:cNvPr id="41" name="Shape 41"/>
-          <p:cNvSpPr txBox="1"/>
+          <p:cNvSpPr txBox="1">
+            <a:spLocks noGrp="1"/>
+          </p:cNvSpPr>
           <p:nvPr>
-            <p:ph idx="1" type="body"/>
+            <p:ph type="body" idx="1"/>
           </p:nvPr>
         </p:nvSpPr>
         <p:spPr>
@@ -3156,20 +3304,56 @@
           </a:prstGeom>
         </p:spPr>
         <p:txBody>
-          <a:bodyPr anchorCtr="0" anchor="t" bIns="91425" lIns="91425" rIns="91425" tIns="91425">
+          <a:bodyPr lIns="91425" tIns="91425" rIns="91425" bIns="91425" anchor="t" anchorCtr="0">
             <a:noAutofit/>
           </a:bodyPr>
           <a:lstStyle/>
           <a:p>
-            <a:pPr indent="-228600" lvl="0" marL="457200">
-              <a:spcBef>
-                <a:spcPts val="0"/>
-              </a:spcBef>
+            <a:pPr marL="685800" lvl="0" indent="-457200">
+              <a:buFont typeface="Arial" panose="020B0604020202020204" pitchFamily="34" charset="0"/>
+              <a:buChar char="•"/>
             </a:pPr>
             <a:r>
-              <a:rPr lang="en"/>
-              <a:t>detalhes sobre a especificação</a:t>
+              <a:rPr lang="pt-BR" dirty="0"/>
+              <a:t>Armazenamento dados relacionados ao empréstimo de celulares e chips para funcionários por projeto;</a:t>
             </a:r>
+          </a:p>
+          <a:p>
+            <a:pPr marL="685800" lvl="0" indent="-457200">
+              <a:buFont typeface="Arial" panose="020B0604020202020204" pitchFamily="34" charset="0"/>
+              <a:buChar char="•"/>
+            </a:pPr>
+            <a:r>
+              <a:rPr lang="pt-BR" dirty="0"/>
+              <a:t>Calculo de valor gasto por projeto em ligações;</a:t>
+            </a:r>
+          </a:p>
+          <a:p>
+            <a:pPr marL="685800" lvl="0" indent="-457200">
+              <a:buFont typeface="Arial" panose="020B0604020202020204" pitchFamily="34" charset="0"/>
+              <a:buChar char="•"/>
+            </a:pPr>
+            <a:r>
+              <a:rPr lang="pt-BR" dirty="0"/>
+              <a:t>Gerenciamento das datas de cada empréstimo;</a:t>
+            </a:r>
+          </a:p>
+          <a:p>
+            <a:pPr marL="685800" lvl="0" indent="-457200">
+              <a:buFont typeface="Arial" panose="020B0604020202020204" pitchFamily="34" charset="0"/>
+              <a:buChar char="•"/>
+            </a:pPr>
+            <a:r>
+              <a:rPr lang="pt-BR" dirty="0"/>
+              <a:t>Consultar Empréstimos.</a:t>
+            </a:r>
+          </a:p>
+          <a:p>
+            <a:pPr marL="685800" lvl="0" indent="-457200">
+              <a:buFont typeface="Arial" panose="020B0604020202020204" pitchFamily="34" charset="0"/>
+              <a:buChar char="•"/>
+            </a:pPr>
+            <a:endParaRPr lang="pt-BR" dirty="0"/>
           </a:p>
         </p:txBody>
       </p:sp>
@@ -3182,11 +3366,11 @@
 </file>
 
 <file path=ppt/slides/slide3.xml><?xml version="1.0" encoding="utf-8"?>
-<p:sld xmlns:a="http://schemas.openxmlformats.org/drawingml/2006/main" xmlns:r="http://schemas.openxmlformats.org/officeDocument/2006/relationships" xmlns:mc="http://schemas.openxmlformats.org/markup-compatibility/2006" xmlns:mv="urn:schemas-microsoft-com:mac:vml" xmlns:p="http://schemas.openxmlformats.org/presentationml/2006/main" xmlns:c="http://schemas.openxmlformats.org/drawingml/2006/chart" xmlns:dgm="http://schemas.openxmlformats.org/drawingml/2006/diagram" xmlns:o="urn:schemas-microsoft-com:office:office" xmlns:v="urn:schemas-microsoft-com:vml" xmlns:pvml="urn:schemas-microsoft-com:office:powerpoint" xmlns:com="http://schemas.openxmlformats.org/drawingml/2006/compatibility" xmlns:p14="http://schemas.microsoft.com/office/powerpoint/2010/main">
+<p:sld xmlns:a="http://schemas.openxmlformats.org/drawingml/2006/main" xmlns:r="http://schemas.openxmlformats.org/officeDocument/2006/relationships" xmlns:p="http://schemas.openxmlformats.org/presentationml/2006/main">
   <p:cSld>
     <p:spTree>
       <p:nvGrpSpPr>
-        <p:cNvPr id="45" name="Shape 45"/>
+        <p:cNvPr id="1" name="Shape 45"/>
         <p:cNvGrpSpPr/>
         <p:nvPr/>
       </p:nvGrpSpPr>
@@ -3201,7 +3385,9 @@
       <p:sp>
         <p:nvSpPr>
           <p:cNvPr id="46" name="Shape 46"/>
-          <p:cNvSpPr txBox="1"/>
+          <p:cNvSpPr txBox="1">
+            <a:spLocks noGrp="1"/>
+          </p:cNvSpPr>
           <p:nvPr>
             <p:ph type="title"/>
           </p:nvPr>
@@ -3216,7 +3402,7 @@
           </a:prstGeom>
         </p:spPr>
         <p:txBody>
-          <a:bodyPr anchorCtr="0" anchor="b" bIns="91425" lIns="91425" rIns="91425" tIns="91425">
+          <a:bodyPr lIns="91425" tIns="91425" rIns="91425" bIns="91425" anchor="b" anchorCtr="0">
             <a:noAutofit/>
           </a:bodyPr>
           <a:lstStyle/>
@@ -3228,18 +3414,21 @@
               <a:buNone/>
             </a:pPr>
             <a:r>
-              <a:rPr lang="en"/>
-              <a:t>Limitações do módulo</a:t>
+              <a:rPr lang="pt-BR" dirty="0"/>
+              <a:t>LIMITAÇÕES DO MÓDULO</a:t>
             </a:r>
+            <a:endParaRPr lang="en" dirty="0"/>
           </a:p>
         </p:txBody>
       </p:sp>
       <p:sp>
         <p:nvSpPr>
           <p:cNvPr id="47" name="Shape 47"/>
-          <p:cNvSpPr txBox="1"/>
+          <p:cNvSpPr txBox="1">
+            <a:spLocks noGrp="1"/>
+          </p:cNvSpPr>
           <p:nvPr>
-            <p:ph idx="1" type="body"/>
+            <p:ph type="body" idx="1"/>
           </p:nvPr>
         </p:nvSpPr>
         <p:spPr>
@@ -3252,32 +3441,55 @@
           </a:prstGeom>
         </p:spPr>
         <p:txBody>
-          <a:bodyPr anchorCtr="0" anchor="t" bIns="91425" lIns="91425" rIns="91425" tIns="91425">
+          <a:bodyPr lIns="91425" tIns="91425" rIns="91425" bIns="91425" anchor="t" anchorCtr="0">
             <a:noAutofit/>
           </a:bodyPr>
           <a:lstStyle/>
           <a:p>
-            <a:pPr indent="-228600" lvl="0" marL="457200" rtl="0">
-              <a:spcBef>
-                <a:spcPts val="0"/>
-              </a:spcBef>
+            <a:pPr marL="685800" lvl="0" indent="-457200" rtl="0">
+              <a:spcBef>
+                <a:spcPts val="0"/>
+              </a:spcBef>
+              <a:buFont typeface="Arial" panose="020B0604020202020204" pitchFamily="34" charset="0"/>
+              <a:buChar char="•"/>
             </a:pPr>
             <a:r>
-              <a:rPr lang="en"/>
-              <a:t>especificar o que </a:t>
+              <a:rPr lang="pt-BR" dirty="0"/>
+              <a:t>Dados do cliente;</a:t>
             </a:r>
+          </a:p>
+          <a:p>
+            <a:pPr marL="685800" lvl="0" indent="-457200" rtl="0">
+              <a:spcBef>
+                <a:spcPts val="0"/>
+              </a:spcBef>
+              <a:buFont typeface="Arial" panose="020B0604020202020204" pitchFamily="34" charset="0"/>
+              <a:buChar char="•"/>
+            </a:pPr>
             <a:r>
-              <a:rPr lang="en">
-                <a:solidFill>
-                  <a:srgbClr val="CC0000"/>
-                </a:solidFill>
-              </a:rPr>
-              <a:t>não </a:t>
+              <a:rPr lang="pt-BR" dirty="0"/>
+              <a:t>Colaboradores do Projeto;</a:t>
             </a:r>
-            <a:r>
-              <a:rPr lang="en"/>
-              <a:t>faz parte do projeto;</a:t>
-            </a:r>
+          </a:p>
+          <a:p>
+            <a:pPr marL="685800" lvl="0" indent="-457200" rtl="0">
+              <a:spcBef>
+                <a:spcPts val="0"/>
+              </a:spcBef>
+              <a:buFont typeface="Arial" panose="020B0604020202020204" pitchFamily="34" charset="0"/>
+              <a:buChar char="•"/>
+            </a:pPr>
+            <a:endParaRPr lang="pt-BR" dirty="0"/>
+          </a:p>
+          <a:p>
+            <a:pPr marL="685800" lvl="0" indent="-457200" rtl="0">
+              <a:spcBef>
+                <a:spcPts val="0"/>
+              </a:spcBef>
+              <a:buFont typeface="Arial" panose="020B0604020202020204" pitchFamily="34" charset="0"/>
+              <a:buChar char="•"/>
+            </a:pPr>
+            <a:endParaRPr lang="en" dirty="0"/>
           </a:p>
         </p:txBody>
       </p:sp>
@@ -3290,11 +3502,11 @@
 </file>
 
 <file path=ppt/slides/slide4.xml><?xml version="1.0" encoding="utf-8"?>
-<p:sld xmlns:a="http://schemas.openxmlformats.org/drawingml/2006/main" xmlns:r="http://schemas.openxmlformats.org/officeDocument/2006/relationships" xmlns:mc="http://schemas.openxmlformats.org/markup-compatibility/2006" xmlns:mv="urn:schemas-microsoft-com:mac:vml" xmlns:p="http://schemas.openxmlformats.org/presentationml/2006/main" xmlns:c="http://schemas.openxmlformats.org/drawingml/2006/chart" xmlns:dgm="http://schemas.openxmlformats.org/drawingml/2006/diagram" xmlns:o="urn:schemas-microsoft-com:office:office" xmlns:v="urn:schemas-microsoft-com:vml" xmlns:pvml="urn:schemas-microsoft-com:office:powerpoint" xmlns:com="http://schemas.openxmlformats.org/drawingml/2006/compatibility" xmlns:p14="http://schemas.microsoft.com/office/powerpoint/2010/main">
+<p:sld xmlns:a="http://schemas.openxmlformats.org/drawingml/2006/main" xmlns:r="http://schemas.openxmlformats.org/officeDocument/2006/relationships" xmlns:p="http://schemas.openxmlformats.org/presentationml/2006/main">
   <p:cSld>
     <p:spTree>
       <p:nvGrpSpPr>
-        <p:cNvPr id="51" name="Shape 51"/>
+        <p:cNvPr id="1" name="Shape 51"/>
         <p:cNvGrpSpPr/>
         <p:nvPr/>
       </p:nvGrpSpPr>
@@ -3309,7 +3521,9 @@
       <p:sp>
         <p:nvSpPr>
           <p:cNvPr id="52" name="Shape 52"/>
-          <p:cNvSpPr txBox="1"/>
+          <p:cNvSpPr txBox="1">
+            <a:spLocks noGrp="1"/>
+          </p:cNvSpPr>
           <p:nvPr>
             <p:ph type="title"/>
           </p:nvPr>
@@ -3324,7 +3538,7 @@
           </a:prstGeom>
         </p:spPr>
         <p:txBody>
-          <a:bodyPr anchorCtr="0" anchor="b" bIns="91425" lIns="91425" rIns="91425" tIns="91425">
+          <a:bodyPr lIns="91425" tIns="91425" rIns="91425" bIns="91425" anchor="b" anchorCtr="0">
             <a:noAutofit/>
           </a:bodyPr>
           <a:lstStyle/>
@@ -3336,18 +3550,21 @@
               <a:buNone/>
             </a:pPr>
             <a:r>
-              <a:rPr lang="en"/>
-              <a:t>Caso de uso 1</a:t>
+              <a:rPr lang="pt-BR" dirty="0"/>
+              <a:t>CALCULO DE GASTOS</a:t>
             </a:r>
+            <a:endParaRPr lang="en" dirty="0"/>
           </a:p>
         </p:txBody>
       </p:sp>
       <p:sp>
         <p:nvSpPr>
           <p:cNvPr id="53" name="Shape 53"/>
-          <p:cNvSpPr txBox="1"/>
+          <p:cNvSpPr txBox="1">
+            <a:spLocks noGrp="1"/>
+          </p:cNvSpPr>
           <p:nvPr>
-            <p:ph idx="1" type="body"/>
+            <p:ph type="body" idx="1"/>
           </p:nvPr>
         </p:nvSpPr>
         <p:spPr>
@@ -3360,20 +3577,30 @@
           </a:prstGeom>
         </p:spPr>
         <p:txBody>
-          <a:bodyPr anchorCtr="0" anchor="t" bIns="91425" lIns="91425" rIns="91425" tIns="91425">
+          <a:bodyPr lIns="91425" tIns="91425" rIns="91425" bIns="91425" anchor="t" anchorCtr="0">
             <a:noAutofit/>
           </a:bodyPr>
           <a:lstStyle/>
           <a:p>
-            <a:pPr indent="-228600" lvl="0" marL="457200">
+            <a:pPr marL="457200" lvl="0" indent="-228600">
               <a:spcBef>
                 <a:spcPts val="0"/>
               </a:spcBef>
             </a:pPr>
             <a:r>
-              <a:rPr lang="en"/>
-              <a:t>explicar / diagramar caso de uso principal (fluxo normal)</a:t>
+              <a:rPr lang="pt-BR" dirty="0"/>
+              <a:t>Sistema calcula total de gastos com ligações no projeto.</a:t>
             </a:r>
+          </a:p>
+          <a:p>
+            <a:pPr marL="685800" lvl="0" indent="-457200">
+              <a:spcBef>
+                <a:spcPts val="0"/>
+              </a:spcBef>
+              <a:buFont typeface="Arial" panose="020B0604020202020204" pitchFamily="34" charset="0"/>
+              <a:buChar char="•"/>
+            </a:pPr>
+            <a:endParaRPr lang="pt-BR" dirty="0"/>
           </a:p>
         </p:txBody>
       </p:sp>
@@ -3386,11 +3613,89 @@
 </file>
 
 <file path=ppt/slides/slide5.xml><?xml version="1.0" encoding="utf-8"?>
-<p:sld xmlns:a="http://schemas.openxmlformats.org/drawingml/2006/main" xmlns:r="http://schemas.openxmlformats.org/officeDocument/2006/relationships" xmlns:mc="http://schemas.openxmlformats.org/markup-compatibility/2006" xmlns:mv="urn:schemas-microsoft-com:mac:vml" xmlns:p="http://schemas.openxmlformats.org/presentationml/2006/main" xmlns:c="http://schemas.openxmlformats.org/drawingml/2006/chart" xmlns:dgm="http://schemas.openxmlformats.org/drawingml/2006/diagram" xmlns:o="urn:schemas-microsoft-com:office:office" xmlns:v="urn:schemas-microsoft-com:vml" xmlns:pvml="urn:schemas-microsoft-com:office:powerpoint" xmlns:com="http://schemas.openxmlformats.org/drawingml/2006/compatibility" xmlns:p14="http://schemas.microsoft.com/office/powerpoint/2010/main">
+<p:sld xmlns:a="http://schemas.openxmlformats.org/drawingml/2006/main" xmlns:r="http://schemas.openxmlformats.org/officeDocument/2006/relationships" xmlns:p="http://schemas.openxmlformats.org/presentationml/2006/main">
   <p:cSld>
     <p:spTree>
       <p:nvGrpSpPr>
-        <p:cNvPr id="57" name="Shape 57"/>
+        <p:cNvPr id="1" name=""/>
+        <p:cNvGrpSpPr/>
+        <p:nvPr/>
+      </p:nvGrpSpPr>
+      <p:grpSpPr>
+        <a:xfrm>
+          <a:off x="0" y="0"/>
+          <a:ext cx="0" cy="0"/>
+          <a:chOff x="0" y="0"/>
+          <a:chExt cx="0" cy="0"/>
+        </a:xfrm>
+      </p:grpSpPr>
+      <p:pic>
+        <p:nvPicPr>
+          <p:cNvPr id="6" name="Imagem 5"/>
+          <p:cNvPicPr>
+            <a:picLocks noChangeAspect="1"/>
+          </p:cNvPicPr>
+          <p:nvPr/>
+        </p:nvPicPr>
+        <p:blipFill>
+          <a:blip r:embed="rId2"/>
+          <a:stretch>
+            <a:fillRect/>
+          </a:stretch>
+        </p:blipFill>
+        <p:spPr>
+          <a:xfrm>
+            <a:off x="142034" y="387119"/>
+            <a:ext cx="8768364" cy="2403131"/>
+          </a:xfrm>
+          <a:prstGeom prst="rect">
+            <a:avLst/>
+          </a:prstGeom>
+        </p:spPr>
+      </p:pic>
+      <p:pic>
+        <p:nvPicPr>
+          <p:cNvPr id="7" name="Imagem 6"/>
+          <p:cNvPicPr>
+            <a:picLocks noChangeAspect="1"/>
+          </p:cNvPicPr>
+          <p:nvPr/>
+        </p:nvPicPr>
+        <p:blipFill>
+          <a:blip r:embed="rId3"/>
+          <a:stretch>
+            <a:fillRect/>
+          </a:stretch>
+        </p:blipFill>
+        <p:spPr>
+          <a:xfrm>
+            <a:off x="2608069" y="3280592"/>
+            <a:ext cx="3836293" cy="1238007"/>
+          </a:xfrm>
+          <a:prstGeom prst="rect">
+            <a:avLst/>
+          </a:prstGeom>
+        </p:spPr>
+      </p:pic>
+    </p:spTree>
+    <p:extLst>
+      <p:ext uri="{BB962C8B-B14F-4D97-AF65-F5344CB8AC3E}">
+        <p14:creationId xmlns:p14="http://schemas.microsoft.com/office/powerpoint/2010/main" val="3140924028"/>
+      </p:ext>
+    </p:extLst>
+  </p:cSld>
+  <p:clrMapOvr>
+    <a:masterClrMapping/>
+  </p:clrMapOvr>
+</p:sld>
+</file>
+
+<file path=ppt/slides/slide6.xml><?xml version="1.0" encoding="utf-8"?>
+<p:sld xmlns:a="http://schemas.openxmlformats.org/drawingml/2006/main" xmlns:r="http://schemas.openxmlformats.org/officeDocument/2006/relationships" xmlns:p="http://schemas.openxmlformats.org/presentationml/2006/main">
+  <p:cSld>
+    <p:spTree>
+      <p:nvGrpSpPr>
+        <p:cNvPr id="1" name="Shape 57"/>
         <p:cNvGrpSpPr/>
         <p:nvPr/>
       </p:nvGrpSpPr>
@@ -3405,7 +3710,9 @@
       <p:sp>
         <p:nvSpPr>
           <p:cNvPr id="58" name="Shape 58"/>
-          <p:cNvSpPr txBox="1"/>
+          <p:cNvSpPr txBox="1">
+            <a:spLocks noGrp="1"/>
+          </p:cNvSpPr>
           <p:nvPr>
             <p:ph type="title"/>
           </p:nvPr>
@@ -3420,7 +3727,7 @@
           </a:prstGeom>
         </p:spPr>
         <p:txBody>
-          <a:bodyPr anchorCtr="0" anchor="b" bIns="91425" lIns="91425" rIns="91425" tIns="91425">
+          <a:bodyPr lIns="91425" tIns="91425" rIns="91425" bIns="91425" anchor="b" anchorCtr="0">
             <a:noAutofit/>
           </a:bodyPr>
           <a:lstStyle/>
@@ -3432,47 +3739,99 @@
               <a:buNone/>
             </a:pPr>
             <a:r>
-              <a:rPr lang="en"/>
-              <a:t>Caso de uso 2</a:t>
+              <a:rPr lang="pt-BR" dirty="0"/>
+              <a:t>NOVO EMPRÉSTIMO</a:t>
             </a:r>
+            <a:endParaRPr lang="en" dirty="0"/>
           </a:p>
         </p:txBody>
       </p:sp>
       <p:sp>
         <p:nvSpPr>
           <p:cNvPr id="59" name="Shape 59"/>
-          <p:cNvSpPr txBox="1"/>
+          <p:cNvSpPr txBox="1">
+            <a:spLocks noGrp="1"/>
+          </p:cNvSpPr>
           <p:nvPr>
-            <p:ph idx="1" type="body"/>
+            <p:ph type="body" idx="1"/>
           </p:nvPr>
         </p:nvSpPr>
         <p:spPr>
           <a:xfrm>
             <a:off x="457200" y="1200150"/>
-            <a:ext cx="8229600" cy="3725699"/>
+            <a:ext cx="8229600" cy="1466441"/>
           </a:xfrm>
           <a:prstGeom prst="rect">
             <a:avLst/>
           </a:prstGeom>
         </p:spPr>
         <p:txBody>
-          <a:bodyPr anchorCtr="0" anchor="t" bIns="91425" lIns="91425" rIns="91425" tIns="91425">
+          <a:bodyPr lIns="91425" tIns="91425" rIns="91425" bIns="91425" anchor="t" anchorCtr="0">
             <a:noAutofit/>
           </a:bodyPr>
           <a:lstStyle/>
           <a:p>
-            <a:pPr indent="-228600" lvl="0" marL="457200" rtl="0">
+            <a:pPr marL="457200" lvl="0" indent="-228600" rtl="0">
               <a:spcBef>
                 <a:spcPts val="0"/>
               </a:spcBef>
             </a:pPr>
             <a:r>
-              <a:rPr lang="en"/>
-              <a:t>explicar / diagramar caso de uso secundário</a:t>
+              <a:rPr lang="pt-BR" dirty="0"/>
+              <a:t>Colaborador solicita Celular e Chip(s) para utilizar em um projeto.</a:t>
             </a:r>
+            <a:endParaRPr lang="en" dirty="0"/>
           </a:p>
         </p:txBody>
       </p:sp>
+      <p:pic>
+        <p:nvPicPr>
+          <p:cNvPr id="3" name="Imagem 2"/>
+          <p:cNvPicPr>
+            <a:picLocks noChangeAspect="1"/>
+          </p:cNvPicPr>
+          <p:nvPr/>
+        </p:nvPicPr>
+        <p:blipFill>
+          <a:blip r:embed="rId3"/>
+          <a:stretch>
+            <a:fillRect/>
+          </a:stretch>
+        </p:blipFill>
+        <p:spPr>
+          <a:xfrm>
+            <a:off x="1404973" y="2666591"/>
+            <a:ext cx="2962688" cy="1819529"/>
+          </a:xfrm>
+          <a:prstGeom prst="rect">
+            <a:avLst/>
+          </a:prstGeom>
+        </p:spPr>
+      </p:pic>
+      <p:pic>
+        <p:nvPicPr>
+          <p:cNvPr id="4" name="Imagem 3"/>
+          <p:cNvPicPr>
+            <a:picLocks noChangeAspect="1"/>
+          </p:cNvPicPr>
+          <p:nvPr/>
+        </p:nvPicPr>
+        <p:blipFill>
+          <a:blip r:embed="rId4"/>
+          <a:stretch>
+            <a:fillRect/>
+          </a:stretch>
+        </p:blipFill>
+        <p:spPr>
+          <a:xfrm>
+            <a:off x="5212746" y="2719987"/>
+            <a:ext cx="3219899" cy="1066949"/>
+          </a:xfrm>
+          <a:prstGeom prst="rect">
+            <a:avLst/>
+          </a:prstGeom>
+        </p:spPr>
+      </p:pic>
     </p:spTree>
   </p:cSld>
   <p:clrMapOvr>
@@ -3481,12 +3840,138 @@
 </p:sld>
 </file>
 
-<file path=ppt/slides/slide6.xml><?xml version="1.0" encoding="utf-8"?>
-<p:sld xmlns:a="http://schemas.openxmlformats.org/drawingml/2006/main" xmlns:r="http://schemas.openxmlformats.org/officeDocument/2006/relationships" xmlns:mc="http://schemas.openxmlformats.org/markup-compatibility/2006" xmlns:mv="urn:schemas-microsoft-com:mac:vml" xmlns:p="http://schemas.openxmlformats.org/presentationml/2006/main" xmlns:c="http://schemas.openxmlformats.org/drawingml/2006/chart" xmlns:dgm="http://schemas.openxmlformats.org/drawingml/2006/diagram" xmlns:o="urn:schemas-microsoft-com:office:office" xmlns:v="urn:schemas-microsoft-com:vml" xmlns:pvml="urn:schemas-microsoft-com:office:powerpoint" xmlns:com="http://schemas.openxmlformats.org/drawingml/2006/compatibility" xmlns:p14="http://schemas.microsoft.com/office/powerpoint/2010/main">
+<file path=ppt/slides/slide7.xml><?xml version="1.0" encoding="utf-8"?>
+<p:sld xmlns:a="http://schemas.openxmlformats.org/drawingml/2006/main" xmlns:r="http://schemas.openxmlformats.org/officeDocument/2006/relationships" xmlns:p="http://schemas.openxmlformats.org/presentationml/2006/main">
   <p:cSld>
     <p:spTree>
       <p:nvGrpSpPr>
-        <p:cNvPr id="63" name="Shape 63"/>
+        <p:cNvPr id="1" name=""/>
+        <p:cNvGrpSpPr/>
+        <p:nvPr/>
+      </p:nvGrpSpPr>
+      <p:grpSpPr>
+        <a:xfrm>
+          <a:off x="0" y="0"/>
+          <a:ext cx="0" cy="0"/>
+          <a:chOff x="0" y="0"/>
+          <a:chExt cx="0" cy="0"/>
+        </a:xfrm>
+      </p:grpSpPr>
+      <p:pic>
+        <p:nvPicPr>
+          <p:cNvPr id="4" name="Imagem 3"/>
+          <p:cNvPicPr>
+            <a:picLocks noChangeAspect="1"/>
+          </p:cNvPicPr>
+          <p:nvPr/>
+        </p:nvPicPr>
+        <p:blipFill>
+          <a:blip r:embed="rId2"/>
+          <a:stretch>
+            <a:fillRect/>
+          </a:stretch>
+        </p:blipFill>
+        <p:spPr>
+          <a:xfrm>
+            <a:off x="507258" y="367381"/>
+            <a:ext cx="7929250" cy="398347"/>
+          </a:xfrm>
+          <a:prstGeom prst="rect">
+            <a:avLst/>
+          </a:prstGeom>
+        </p:spPr>
+      </p:pic>
+      <p:pic>
+        <p:nvPicPr>
+          <p:cNvPr id="5" name="Imagem 4"/>
+          <p:cNvPicPr>
+            <a:picLocks noChangeAspect="1"/>
+          </p:cNvPicPr>
+          <p:nvPr/>
+        </p:nvPicPr>
+        <p:blipFill>
+          <a:blip r:embed="rId3"/>
+          <a:stretch>
+            <a:fillRect/>
+          </a:stretch>
+        </p:blipFill>
+        <p:spPr>
+          <a:xfrm>
+            <a:off x="2276370" y="994490"/>
+            <a:ext cx="4391025" cy="1485900"/>
+          </a:xfrm>
+          <a:prstGeom prst="rect">
+            <a:avLst/>
+          </a:prstGeom>
+        </p:spPr>
+      </p:pic>
+      <p:pic>
+        <p:nvPicPr>
+          <p:cNvPr id="6" name="Imagem 5"/>
+          <p:cNvPicPr>
+            <a:picLocks noChangeAspect="1"/>
+          </p:cNvPicPr>
+          <p:nvPr/>
+        </p:nvPicPr>
+        <p:blipFill>
+          <a:blip r:embed="rId4"/>
+          <a:stretch>
+            <a:fillRect/>
+          </a:stretch>
+        </p:blipFill>
+        <p:spPr>
+          <a:xfrm>
+            <a:off x="507258" y="2791867"/>
+            <a:ext cx="4219540" cy="826898"/>
+          </a:xfrm>
+          <a:prstGeom prst="rect">
+            <a:avLst/>
+          </a:prstGeom>
+        </p:spPr>
+      </p:pic>
+      <p:pic>
+        <p:nvPicPr>
+          <p:cNvPr id="8" name="Imagem 7"/>
+          <p:cNvPicPr>
+            <a:picLocks noChangeAspect="1"/>
+          </p:cNvPicPr>
+          <p:nvPr/>
+        </p:nvPicPr>
+        <p:blipFill>
+          <a:blip r:embed="rId5"/>
+          <a:stretch>
+            <a:fillRect/>
+          </a:stretch>
+        </p:blipFill>
+        <p:spPr>
+          <a:xfrm>
+            <a:off x="3700357" y="3930242"/>
+            <a:ext cx="1543050" cy="561975"/>
+          </a:xfrm>
+          <a:prstGeom prst="rect">
+            <a:avLst/>
+          </a:prstGeom>
+        </p:spPr>
+      </p:pic>
+    </p:spTree>
+    <p:extLst>
+      <p:ext uri="{BB962C8B-B14F-4D97-AF65-F5344CB8AC3E}">
+        <p14:creationId xmlns:p14="http://schemas.microsoft.com/office/powerpoint/2010/main" val="3711806159"/>
+      </p:ext>
+    </p:extLst>
+  </p:cSld>
+  <p:clrMapOvr>
+    <a:masterClrMapping/>
+  </p:clrMapOvr>
+</p:sld>
+</file>
+
+<file path=ppt/slides/slide8.xml><?xml version="1.0" encoding="utf-8"?>
+<p:sld xmlns:a="http://schemas.openxmlformats.org/drawingml/2006/main" xmlns:r="http://schemas.openxmlformats.org/officeDocument/2006/relationships" xmlns:p="http://schemas.openxmlformats.org/presentationml/2006/main">
+  <p:cSld>
+    <p:spTree>
+      <p:nvGrpSpPr>
+        <p:cNvPr id="1" name="Shape 63"/>
         <p:cNvGrpSpPr/>
         <p:nvPr/>
       </p:nvGrpSpPr>
@@ -3501,7 +3986,9 @@
       <p:sp>
         <p:nvSpPr>
           <p:cNvPr id="64" name="Shape 64"/>
-          <p:cNvSpPr txBox="1"/>
+          <p:cNvSpPr txBox="1">
+            <a:spLocks noGrp="1"/>
+          </p:cNvSpPr>
           <p:nvPr>
             <p:ph type="title"/>
           </p:nvPr>
@@ -3516,7 +4003,7 @@
           </a:prstGeom>
         </p:spPr>
         <p:txBody>
-          <a:bodyPr anchorCtr="0" anchor="b" bIns="91425" lIns="91425" rIns="91425" tIns="91425">
+          <a:bodyPr lIns="91425" tIns="91425" rIns="91425" bIns="91425" anchor="b" anchorCtr="0">
             <a:noAutofit/>
           </a:bodyPr>
           <a:lstStyle/>
@@ -3528,48 +4015,40 @@
               <a:buNone/>
             </a:pPr>
             <a:r>
-              <a:rPr lang="en"/>
-              <a:t>Modelo ER</a:t>
+              <a:rPr lang="pt-BR" dirty="0"/>
+              <a:t>MODELO</a:t>
+            </a:r>
+            <a:r>
+              <a:rPr lang="en" dirty="0"/>
+              <a:t> ER</a:t>
             </a:r>
           </a:p>
         </p:txBody>
       </p:sp>
-      <p:sp>
-        <p:nvSpPr>
-          <p:cNvPr id="65" name="Shape 65"/>
-          <p:cNvSpPr txBox="1"/>
-          <p:nvPr>
-            <p:ph idx="1" type="body"/>
-          </p:nvPr>
-        </p:nvSpPr>
-        <p:spPr>
-          <a:xfrm>
-            <a:off x="457200" y="1200150"/>
-            <a:ext cx="8229600" cy="3725699"/>
+      <p:pic>
+        <p:nvPicPr>
+          <p:cNvPr id="2" name="Imagem 1"/>
+          <p:cNvPicPr>
+            <a:picLocks noChangeAspect="1"/>
+          </p:cNvPicPr>
+          <p:nvPr/>
+        </p:nvPicPr>
+        <p:blipFill>
+          <a:blip r:embed="rId3"/>
+          <a:stretch>
+            <a:fillRect/>
+          </a:stretch>
+        </p:blipFill>
+        <p:spPr>
+          <a:xfrm>
+            <a:off x="949748" y="1063378"/>
+            <a:ext cx="7588184" cy="4080122"/>
           </a:xfrm>
           <a:prstGeom prst="rect">
             <a:avLst/>
           </a:prstGeom>
         </p:spPr>
-        <p:txBody>
-          <a:bodyPr anchorCtr="0" anchor="t" bIns="91425" lIns="91425" rIns="91425" tIns="91425">
-            <a:noAutofit/>
-          </a:bodyPr>
-          <a:lstStyle/>
-          <a:p>
-            <a:pPr lvl="0" rtl="0">
-              <a:spcBef>
-                <a:spcPts val="0"/>
-              </a:spcBef>
-              <a:buNone/>
-            </a:pPr>
-            <a:r>
-              <a:rPr lang="en"/>
-              <a:t>&lt;Imagem do modelo ER&gt;</a:t>
-            </a:r>
-          </a:p>
-        </p:txBody>
-      </p:sp>
+      </p:pic>
     </p:spTree>
   </p:cSld>
   <p:clrMapOvr>
@@ -3578,12 +4057,12 @@
 </p:sld>
 </file>
 
-<file path=ppt/slides/slide7.xml><?xml version="1.0" encoding="utf-8"?>
-<p:sld xmlns:a="http://schemas.openxmlformats.org/drawingml/2006/main" xmlns:r="http://schemas.openxmlformats.org/officeDocument/2006/relationships" xmlns:mc="http://schemas.openxmlformats.org/markup-compatibility/2006" xmlns:mv="urn:schemas-microsoft-com:mac:vml" xmlns:p="http://schemas.openxmlformats.org/presentationml/2006/main" xmlns:c="http://schemas.openxmlformats.org/drawingml/2006/chart" xmlns:dgm="http://schemas.openxmlformats.org/drawingml/2006/diagram" xmlns:o="urn:schemas-microsoft-com:office:office" xmlns:v="urn:schemas-microsoft-com:vml" xmlns:pvml="urn:schemas-microsoft-com:office:powerpoint" xmlns:com="http://schemas.openxmlformats.org/drawingml/2006/compatibility" xmlns:p14="http://schemas.microsoft.com/office/powerpoint/2010/main">
+<file path=ppt/slides/slide9.xml><?xml version="1.0" encoding="utf-8"?>
+<p:sld xmlns:a="http://schemas.openxmlformats.org/drawingml/2006/main" xmlns:r="http://schemas.openxmlformats.org/officeDocument/2006/relationships" xmlns:p="http://schemas.openxmlformats.org/presentationml/2006/main">
   <p:cSld>
     <p:spTree>
       <p:nvGrpSpPr>
-        <p:cNvPr id="69" name="Shape 69"/>
+        <p:cNvPr id="1" name=""/>
         <p:cNvGrpSpPr/>
         <p:nvPr/>
       </p:nvGrpSpPr>
@@ -3597,87 +4076,195 @@
       </p:grpSpPr>
       <p:sp>
         <p:nvSpPr>
-          <p:cNvPr id="70" name="Shape 70"/>
-          <p:cNvSpPr txBox="1"/>
+          <p:cNvPr id="2" name="Título 1"/>
+          <p:cNvSpPr>
+            <a:spLocks noGrp="1"/>
+          </p:cNvSpPr>
           <p:nvPr>
             <p:ph type="title"/>
           </p:nvPr>
         </p:nvSpPr>
-        <p:spPr>
-          <a:xfrm>
-            <a:off x="457200" y="205978"/>
-            <a:ext cx="8229600" cy="857400"/>
-          </a:xfrm>
-          <a:prstGeom prst="rect">
-            <a:avLst/>
-          </a:prstGeom>
-        </p:spPr>
+        <p:spPr/>
         <p:txBody>
-          <a:bodyPr anchorCtr="0" anchor="b" bIns="91425" lIns="91425" rIns="91425" tIns="91425">
-            <a:noAutofit/>
-          </a:bodyPr>
+          <a:bodyPr/>
           <a:lstStyle/>
           <a:p>
-            <a:pPr lvl="0" rtl="0">
-              <a:spcBef>
-                <a:spcPts val="0"/>
-              </a:spcBef>
-              <a:buNone/>
-            </a:pPr>
             <a:r>
-              <a:rPr lang="en"/>
-              <a:t>Estimativas</a:t>
+              <a:rPr lang="pt-BR" dirty="0"/>
+              <a:t>ESTIMATIVA </a:t>
             </a:r>
+            <a:r>
+              <a:rPr lang="pt-BR" dirty="0">
+                <a:solidFill>
+                  <a:schemeClr val="bg1">
+                    <a:lumMod val="50000"/>
+                  </a:schemeClr>
+                </a:solidFill>
+              </a:rPr>
+              <a:t>= </a:t>
+            </a:r>
+            <a:r>
+              <a:rPr lang="pt-BR" sz="3200" dirty="0">
+                <a:solidFill>
+                  <a:schemeClr val="bg1">
+                    <a:lumMod val="50000"/>
+                  </a:schemeClr>
+                </a:solidFill>
+              </a:rPr>
+              <a:t>46 Horas</a:t>
+            </a:r>
+            <a:endParaRPr lang="pt-BR" sz="3200" dirty="0"/>
           </a:p>
         </p:txBody>
       </p:sp>
       <p:sp>
         <p:nvSpPr>
-          <p:cNvPr id="71" name="Shape 71"/>
-          <p:cNvSpPr txBox="1"/>
+          <p:cNvPr id="3" name="Espaço Reservado para Texto 2"/>
+          <p:cNvSpPr>
+            <a:spLocks noGrp="1"/>
+          </p:cNvSpPr>
           <p:nvPr>
-            <p:ph idx="1" type="body"/>
+            <p:ph type="body" idx="1"/>
           </p:nvPr>
         </p:nvSpPr>
-        <p:spPr>
-          <a:xfrm>
-            <a:off x="457200" y="1200150"/>
-            <a:ext cx="8229600" cy="2253899"/>
-          </a:xfrm>
-          <a:prstGeom prst="rect">
-            <a:avLst/>
-          </a:prstGeom>
-        </p:spPr>
+        <p:spPr/>
         <p:txBody>
-          <a:bodyPr anchorCtr="0" anchor="t" bIns="91425" lIns="91425" rIns="91425" tIns="91425">
-            <a:noAutofit/>
-          </a:bodyPr>
+          <a:bodyPr/>
           <a:lstStyle/>
           <a:p>
-            <a:pPr indent="-228600" lvl="0" marL="457200" rtl="0">
-              <a:spcBef>
-                <a:spcPts val="0"/>
-              </a:spcBef>
+            <a:pPr marL="457200" indent="-457200">
+              <a:buFont typeface="Arial" panose="020B0604020202020204" pitchFamily="34" charset="0"/>
+              <a:buChar char="•"/>
             </a:pPr>
             <a:r>
-              <a:rPr lang="en"/>
-              <a:t>Estimativa de quantas telas a aplicação terá;</a:t>
+              <a:rPr lang="pt-BR" sz="2600" dirty="0"/>
+              <a:t>Cadastrar ou editar empréstimo;</a:t>
             </a:r>
           </a:p>
           <a:p>
-            <a:pPr indent="-228600" lvl="0" marL="457200" rtl="0">
-              <a:spcBef>
-                <a:spcPts val="0"/>
-              </a:spcBef>
+            <a:r>
+              <a:rPr lang="pt-BR" sz="2000" dirty="0">
+                <a:solidFill>
+                  <a:schemeClr val="bg1">
+                    <a:lumMod val="50000"/>
+                  </a:schemeClr>
+                </a:solidFill>
+              </a:rPr>
+              <a:t>20 horas</a:t>
+            </a:r>
+          </a:p>
+          <a:p>
+            <a:pPr marL="457200" indent="-457200">
+              <a:buFont typeface="Arial" panose="020B0604020202020204" pitchFamily="34" charset="0"/>
+              <a:buChar char="•"/>
             </a:pPr>
             <a:r>
-              <a:rPr lang="en"/>
-              <a:t>Estimativa de esforço (horas) necessário para a aplicação.</a:t>
+              <a:rPr lang="pt-BR" sz="2600" dirty="0"/>
+              <a:t>Cadastrar, editar celular e chip;</a:t>
             </a:r>
+          </a:p>
+          <a:p>
+            <a:r>
+              <a:rPr lang="pt-BR" sz="2000" dirty="0">
+                <a:solidFill>
+                  <a:schemeClr val="bg1">
+                    <a:lumMod val="50000"/>
+                  </a:schemeClr>
+                </a:solidFill>
+              </a:rPr>
+              <a:t>6 Horas</a:t>
+            </a:r>
+          </a:p>
+          <a:p>
+            <a:pPr marL="457200" indent="-457200">
+              <a:buFont typeface="Arial" panose="020B0604020202020204" pitchFamily="34" charset="0"/>
+              <a:buChar char="•"/>
+            </a:pPr>
+            <a:r>
+              <a:rPr lang="pt-BR" sz="2600" dirty="0"/>
+              <a:t>Cadastrar, editar modelo de celular;</a:t>
+            </a:r>
+          </a:p>
+          <a:p>
+            <a:r>
+              <a:rPr lang="pt-BR" sz="2000" dirty="0">
+                <a:solidFill>
+                  <a:schemeClr val="bg1">
+                    <a:lumMod val="50000"/>
+                  </a:schemeClr>
+                </a:solidFill>
+              </a:rPr>
+              <a:t>5 horas</a:t>
+            </a:r>
+          </a:p>
+          <a:p>
+            <a:pPr marL="457200" indent="-457200">
+              <a:buFont typeface="Arial" panose="020B0604020202020204" pitchFamily="34" charset="0"/>
+              <a:buChar char="•"/>
+            </a:pPr>
+            <a:r>
+              <a:rPr lang="pt-BR" sz="2600" dirty="0"/>
+              <a:t>Consulta de gastos com ligações;</a:t>
+            </a:r>
+          </a:p>
+          <a:p>
+            <a:r>
+              <a:rPr lang="pt-BR" sz="2000" dirty="0">
+                <a:solidFill>
+                  <a:schemeClr val="bg1">
+                    <a:lumMod val="50000"/>
+                  </a:schemeClr>
+                </a:solidFill>
+              </a:rPr>
+              <a:t>5 horas</a:t>
+            </a:r>
+          </a:p>
+          <a:p>
+            <a:pPr marL="457200" indent="-457200">
+              <a:buFont typeface="Arial" panose="020B0604020202020204" pitchFamily="34" charset="0"/>
+              <a:buChar char="•"/>
+            </a:pPr>
+            <a:r>
+              <a:rPr lang="pt-BR" sz="2600" dirty="0"/>
+              <a:t>Consulta relacionado a empréstimos.</a:t>
+            </a:r>
+          </a:p>
+          <a:p>
+            <a:r>
+              <a:rPr lang="pt-BR" sz="2000" dirty="0">
+                <a:solidFill>
+                  <a:schemeClr val="bg1">
+                    <a:lumMod val="50000"/>
+                  </a:schemeClr>
+                </a:solidFill>
+              </a:rPr>
+              <a:t>10 horas</a:t>
+            </a:r>
+          </a:p>
+          <a:p>
+            <a:endParaRPr lang="pt-BR" sz="2000" dirty="0">
+              <a:solidFill>
+                <a:schemeClr val="bg1">
+                  <a:lumMod val="50000"/>
+                </a:schemeClr>
+              </a:solidFill>
+            </a:endParaRPr>
+          </a:p>
+          <a:p>
+            <a:pPr marL="457200" indent="-457200">
+              <a:buFont typeface="Arial" panose="020B0604020202020204" pitchFamily="34" charset="0"/>
+              <a:buChar char="•"/>
+            </a:pPr>
+            <a:endParaRPr lang="pt-BR" dirty="0"/>
           </a:p>
         </p:txBody>
       </p:sp>
     </p:spTree>
+    <p:extLst>
+      <p:ext uri="{BB962C8B-B14F-4D97-AF65-F5344CB8AC3E}">
+        <p14:creationId xmlns:p14="http://schemas.microsoft.com/office/powerpoint/2010/main" val="2072142179"/>
+      </p:ext>
+    </p:extLst>
   </p:cSld>
   <p:clrMapOvr>
     <a:masterClrMapping/>
@@ -3686,7 +4273,288 @@
 </file>
 
 <file path=ppt/theme/theme1.xml><?xml version="1.0" encoding="utf-8"?>
-<a:theme xmlns:a="http://schemas.openxmlformats.org/drawingml/2006/main" xmlns:r="http://schemas.openxmlformats.org/officeDocument/2006/relationships" name="Custom Theme">
+<a:theme xmlns:a="http://schemas.openxmlformats.org/drawingml/2006/main" name="simple-light">
+  <a:themeElements>
+    <a:clrScheme name="Custom 347">
+      <a:dk1>
+        <a:srgbClr val="000000"/>
+      </a:dk1>
+      <a:lt1>
+        <a:srgbClr val="FFFFFF"/>
+      </a:lt1>
+      <a:dk2>
+        <a:srgbClr val="666666"/>
+      </a:dk2>
+      <a:lt2>
+        <a:srgbClr val="CCCCCC"/>
+      </a:lt2>
+      <a:accent1>
+        <a:srgbClr val="3A81BA"/>
+      </a:accent1>
+      <a:accent2>
+        <a:srgbClr val="D89F39"/>
+      </a:accent2>
+      <a:accent3>
+        <a:srgbClr val="8BAB42"/>
+      </a:accent3>
+      <a:accent4>
+        <a:srgbClr val="57A7B5"/>
+      </a:accent4>
+      <a:accent5>
+        <a:srgbClr val="8B81D2"/>
+      </a:accent5>
+      <a:accent6>
+        <a:srgbClr val="963334"/>
+      </a:accent6>
+      <a:hlink>
+        <a:srgbClr val="1155CC"/>
+      </a:hlink>
+      <a:folHlink>
+        <a:srgbClr val="6611CC"/>
+      </a:folHlink>
+    </a:clrScheme>
+    <a:fontScheme name="Office">
+      <a:majorFont>
+        <a:latin typeface="Arial"/>
+        <a:ea typeface=""/>
+        <a:cs typeface=""/>
+        <a:font script="Jpan" typeface="ＭＳ Ｐゴシック"/>
+        <a:font script="Hang" typeface="맑은 고딕"/>
+        <a:font script="Hans" typeface="宋体"/>
+        <a:font script="Hant" typeface="新細明體"/>
+        <a:font script="Arab" typeface="Times New Roman"/>
+        <a:font script="Hebr" typeface="Times New Roman"/>
+        <a:font script="Thai" typeface="Angsana New"/>
+        <a:font script="Ethi" typeface="Nyala"/>
+        <a:font script="Beng" typeface="Vrinda"/>
+        <a:font script="Gujr" typeface="Shruti"/>
+        <a:font script="Khmr" typeface="MoolBoran"/>
+        <a:font script="Knda" typeface="Tunga"/>
+        <a:font script="Guru" typeface="Raavi"/>
+        <a:font script="Cans" typeface="Euphemia"/>
+        <a:font script="Cher" typeface="Plantagenet Cherokee"/>
+        <a:font script="Yiii" typeface="Microsoft Yi Baiti"/>
+        <a:font script="Tibt" typeface="Microsoft Himalaya"/>
+        <a:font script="Thaa" typeface="MV Boli"/>
+        <a:font script="Deva" typeface="Mangal"/>
+        <a:font script="Telu" typeface="Gautami"/>
+        <a:font script="Taml" typeface="Latha"/>
+        <a:font script="Syrc" typeface="Estrangelo Edessa"/>
+        <a:font script="Orya" typeface="Kalinga"/>
+        <a:font script="Mlym" typeface="Kartika"/>
+        <a:font script="Laoo" typeface="DokChampa"/>
+        <a:font script="Sinh" typeface="Iskoola Pota"/>
+        <a:font script="Mong" typeface="Mongolian Baiti"/>
+        <a:font script="Viet" typeface="Times New Roman"/>
+        <a:font script="Uigh" typeface="Microsoft Uighur"/>
+        <a:font script="Geor" typeface="Sylfaen"/>
+      </a:majorFont>
+      <a:minorFont>
+        <a:latin typeface="Arial"/>
+        <a:ea typeface=""/>
+        <a:cs typeface=""/>
+        <a:font script="Jpan" typeface="ＭＳ Ｐゴシック"/>
+        <a:font script="Hang" typeface="맑은 고딕"/>
+        <a:font script="Hans" typeface="宋体"/>
+        <a:font script="Hant" typeface="新細明體"/>
+        <a:font script="Arab" typeface="Arial"/>
+        <a:font script="Hebr" typeface="Arial"/>
+        <a:font script="Thai" typeface="Cordia New"/>
+        <a:font script="Ethi" typeface="Nyala"/>
+        <a:font script="Beng" typeface="Vrinda"/>
+        <a:font script="Gujr" typeface="Shruti"/>
+        <a:font script="Khmr" typeface="DaunPenh"/>
+        <a:font script="Knda" typeface="Tunga"/>
+        <a:font script="Guru" typeface="Raavi"/>
+        <a:font script="Cans" typeface="Euphemia"/>
+        <a:font script="Cher" typeface="Plantagenet Cherokee"/>
+        <a:font script="Yiii" typeface="Microsoft Yi Baiti"/>
+        <a:font script="Tibt" typeface="Microsoft Himalaya"/>
+        <a:font script="Thaa" typeface="MV Boli"/>
+        <a:font script="Deva" typeface="Mangal"/>
+        <a:font script="Telu" typeface="Gautami"/>
+        <a:font script="Taml" typeface="Latha"/>
+        <a:font script="Syrc" typeface="Estrangelo Edessa"/>
+        <a:font script="Orya" typeface="Kalinga"/>
+        <a:font script="Mlym" typeface="Kartika"/>
+        <a:font script="Laoo" typeface="DokChampa"/>
+        <a:font script="Sinh" typeface="Iskoola Pota"/>
+        <a:font script="Mong" typeface="Mongolian Baiti"/>
+        <a:font script="Viet" typeface="Arial"/>
+        <a:font script="Uigh" typeface="Microsoft Uighur"/>
+        <a:font script="Geor" typeface="Sylfaen"/>
+      </a:minorFont>
+    </a:fontScheme>
+    <a:fmtScheme name="Office">
+      <a:fillStyleLst>
+        <a:solidFill>
+          <a:schemeClr val="phClr"/>
+        </a:solidFill>
+        <a:gradFill rotWithShape="1">
+          <a:gsLst>
+            <a:gs pos="0">
+              <a:schemeClr val="phClr">
+                <a:tint val="50000"/>
+                <a:satMod val="300000"/>
+              </a:schemeClr>
+            </a:gs>
+            <a:gs pos="35000">
+              <a:schemeClr val="phClr">
+                <a:tint val="37000"/>
+                <a:satMod val="300000"/>
+              </a:schemeClr>
+            </a:gs>
+            <a:gs pos="100000">
+              <a:schemeClr val="phClr">
+                <a:tint val="15000"/>
+                <a:satMod val="350000"/>
+              </a:schemeClr>
+            </a:gs>
+          </a:gsLst>
+          <a:lin ang="16200000" scaled="1"/>
+        </a:gradFill>
+        <a:gradFill rotWithShape="1">
+          <a:gsLst>
+            <a:gs pos="0">
+              <a:schemeClr val="phClr">
+                <a:tint val="100000"/>
+                <a:shade val="100000"/>
+                <a:satMod val="130000"/>
+              </a:schemeClr>
+            </a:gs>
+            <a:gs pos="100000">
+              <a:schemeClr val="phClr">
+                <a:tint val="50000"/>
+                <a:shade val="100000"/>
+                <a:satMod val="350000"/>
+              </a:schemeClr>
+            </a:gs>
+          </a:gsLst>
+          <a:lin ang="16200000" scaled="0"/>
+        </a:gradFill>
+      </a:fillStyleLst>
+      <a:lnStyleLst>
+        <a:ln w="9525" cap="flat" cmpd="sng" algn="ctr">
+          <a:solidFill>
+            <a:schemeClr val="phClr">
+              <a:shade val="95000"/>
+              <a:satMod val="105000"/>
+            </a:schemeClr>
+          </a:solidFill>
+          <a:prstDash val="solid"/>
+        </a:ln>
+        <a:ln w="25400" cap="flat" cmpd="sng" algn="ctr">
+          <a:solidFill>
+            <a:schemeClr val="phClr"/>
+          </a:solidFill>
+          <a:prstDash val="solid"/>
+        </a:ln>
+        <a:ln w="38100" cap="flat" cmpd="sng" algn="ctr">
+          <a:solidFill>
+            <a:schemeClr val="phClr"/>
+          </a:solidFill>
+          <a:prstDash val="solid"/>
+        </a:ln>
+      </a:lnStyleLst>
+      <a:effectStyleLst>
+        <a:effectStyle>
+          <a:effectLst>
+            <a:outerShdw blurRad="40000" dist="20000" dir="5400000" rotWithShape="0">
+              <a:srgbClr val="000000">
+                <a:alpha val="38000"/>
+              </a:srgbClr>
+            </a:outerShdw>
+          </a:effectLst>
+        </a:effectStyle>
+        <a:effectStyle>
+          <a:effectLst>
+            <a:outerShdw blurRad="40000" dist="23000" dir="5400000" rotWithShape="0">
+              <a:srgbClr val="000000">
+                <a:alpha val="35000"/>
+              </a:srgbClr>
+            </a:outerShdw>
+          </a:effectLst>
+        </a:effectStyle>
+        <a:effectStyle>
+          <a:effectLst>
+            <a:outerShdw blurRad="40000" dist="23000" dir="5400000" rotWithShape="0">
+              <a:srgbClr val="000000">
+                <a:alpha val="35000"/>
+              </a:srgbClr>
+            </a:outerShdw>
+          </a:effectLst>
+          <a:scene3d>
+            <a:camera prst="orthographicFront">
+              <a:rot lat="0" lon="0" rev="0"/>
+            </a:camera>
+            <a:lightRig rig="threePt" dir="t">
+              <a:rot lat="0" lon="0" rev="1200000"/>
+            </a:lightRig>
+          </a:scene3d>
+          <a:sp3d>
+            <a:bevelT w="63500" h="25400"/>
+          </a:sp3d>
+        </a:effectStyle>
+      </a:effectStyleLst>
+      <a:bgFillStyleLst>
+        <a:solidFill>
+          <a:schemeClr val="phClr"/>
+        </a:solidFill>
+        <a:gradFill rotWithShape="1">
+          <a:gsLst>
+            <a:gs pos="0">
+              <a:schemeClr val="phClr">
+                <a:tint val="40000"/>
+                <a:satMod val="350000"/>
+              </a:schemeClr>
+            </a:gs>
+            <a:gs pos="40000">
+              <a:schemeClr val="phClr">
+                <a:tint val="45000"/>
+                <a:shade val="99000"/>
+                <a:satMod val="350000"/>
+              </a:schemeClr>
+            </a:gs>
+            <a:gs pos="100000">
+              <a:schemeClr val="phClr">
+                <a:shade val="20000"/>
+                <a:satMod val="255000"/>
+              </a:schemeClr>
+            </a:gs>
+          </a:gsLst>
+          <a:path path="circle">
+            <a:fillToRect l="50000" t="-80000" r="50000" b="180000"/>
+          </a:path>
+        </a:gradFill>
+        <a:gradFill rotWithShape="1">
+          <a:gsLst>
+            <a:gs pos="0">
+              <a:schemeClr val="phClr">
+                <a:tint val="80000"/>
+                <a:satMod val="300000"/>
+              </a:schemeClr>
+            </a:gs>
+            <a:gs pos="100000">
+              <a:schemeClr val="phClr">
+                <a:shade val="30000"/>
+                <a:satMod val="200000"/>
+              </a:schemeClr>
+            </a:gs>
+          </a:gsLst>
+          <a:path path="circle">
+            <a:fillToRect l="50000" t="50000" r="50000" b="50000"/>
+          </a:path>
+        </a:gradFill>
+      </a:bgFillStyleLst>
+    </a:fmtScheme>
+  </a:themeElements>
+  <a:objectDefaults/>
+  <a:extraClrSchemeLst/>
+</a:theme>
+</file>
+
+<file path=ppt/theme/theme2.xml><?xml version="1.0" encoding="utf-8"?>
+<a:theme xmlns:a="http://schemas.openxmlformats.org/drawingml/2006/main" name="Custom Theme">
   <a:themeElements>
     <a:clrScheme name="Default">
       <a:dk1>
@@ -3961,284 +4829,7 @@
       </a:bgFillStyleLst>
     </a:fmtScheme>
   </a:themeElements>
-</a:theme>
-</file>
-
-<file path=ppt/theme/theme2.xml><?xml version="1.0" encoding="utf-8"?>
-<a:theme xmlns:a="http://schemas.openxmlformats.org/drawingml/2006/main" xmlns:r="http://schemas.openxmlformats.org/officeDocument/2006/relationships" name="simple-light">
-  <a:themeElements>
-    <a:clrScheme name="Custom 347">
-      <a:dk1>
-        <a:srgbClr val="000000"/>
-      </a:dk1>
-      <a:lt1>
-        <a:srgbClr val="FFFFFF"/>
-      </a:lt1>
-      <a:dk2>
-        <a:srgbClr val="666666"/>
-      </a:dk2>
-      <a:lt2>
-        <a:srgbClr val="CCCCCC"/>
-      </a:lt2>
-      <a:accent1>
-        <a:srgbClr val="3A81BA"/>
-      </a:accent1>
-      <a:accent2>
-        <a:srgbClr val="D89F39"/>
-      </a:accent2>
-      <a:accent3>
-        <a:srgbClr val="8BAB42"/>
-      </a:accent3>
-      <a:accent4>
-        <a:srgbClr val="57A7B5"/>
-      </a:accent4>
-      <a:accent5>
-        <a:srgbClr val="8B81D2"/>
-      </a:accent5>
-      <a:accent6>
-        <a:srgbClr val="963334"/>
-      </a:accent6>
-      <a:hlink>
-        <a:srgbClr val="1155CC"/>
-      </a:hlink>
-      <a:folHlink>
-        <a:srgbClr val="6611CC"/>
-      </a:folHlink>
-    </a:clrScheme>
-    <a:fontScheme name="Office">
-      <a:majorFont>
-        <a:latin typeface="Arial"/>
-        <a:ea typeface=""/>
-        <a:cs typeface=""/>
-        <a:font script="Jpan" typeface="ＭＳ Ｐゴシック"/>
-        <a:font script="Hang" typeface="맑은 고딕"/>
-        <a:font script="Hans" typeface="宋体"/>
-        <a:font script="Hant" typeface="新細明體"/>
-        <a:font script="Arab" typeface="Times New Roman"/>
-        <a:font script="Hebr" typeface="Times New Roman"/>
-        <a:font script="Thai" typeface="Angsana New"/>
-        <a:font script="Ethi" typeface="Nyala"/>
-        <a:font script="Beng" typeface="Vrinda"/>
-        <a:font script="Gujr" typeface="Shruti"/>
-        <a:font script="Khmr" typeface="MoolBoran"/>
-        <a:font script="Knda" typeface="Tunga"/>
-        <a:font script="Guru" typeface="Raavi"/>
-        <a:font script="Cans" typeface="Euphemia"/>
-        <a:font script="Cher" typeface="Plantagenet Cherokee"/>
-        <a:font script="Yiii" typeface="Microsoft Yi Baiti"/>
-        <a:font script="Tibt" typeface="Microsoft Himalaya"/>
-        <a:font script="Thaa" typeface="MV Boli"/>
-        <a:font script="Deva" typeface="Mangal"/>
-        <a:font script="Telu" typeface="Gautami"/>
-        <a:font script="Taml" typeface="Latha"/>
-        <a:font script="Syrc" typeface="Estrangelo Edessa"/>
-        <a:font script="Orya" typeface="Kalinga"/>
-        <a:font script="Mlym" typeface="Kartika"/>
-        <a:font script="Laoo" typeface="DokChampa"/>
-        <a:font script="Sinh" typeface="Iskoola Pota"/>
-        <a:font script="Mong" typeface="Mongolian Baiti"/>
-        <a:font script="Viet" typeface="Times New Roman"/>
-        <a:font script="Uigh" typeface="Microsoft Uighur"/>
-        <a:font script="Geor" typeface="Sylfaen"/>
-      </a:majorFont>
-      <a:minorFont>
-        <a:latin typeface="Arial"/>
-        <a:ea typeface=""/>
-        <a:cs typeface=""/>
-        <a:font script="Jpan" typeface="ＭＳ Ｐゴシック"/>
-        <a:font script="Hang" typeface="맑은 고딕"/>
-        <a:font script="Hans" typeface="宋体"/>
-        <a:font script="Hant" typeface="新細明體"/>
-        <a:font script="Arab" typeface="Arial"/>
-        <a:font script="Hebr" typeface="Arial"/>
-        <a:font script="Thai" typeface="Cordia New"/>
-        <a:font script="Ethi" typeface="Nyala"/>
-        <a:font script="Beng" typeface="Vrinda"/>
-        <a:font script="Gujr" typeface="Shruti"/>
-        <a:font script="Khmr" typeface="DaunPenh"/>
-        <a:font script="Knda" typeface="Tunga"/>
-        <a:font script="Guru" typeface="Raavi"/>
-        <a:font script="Cans" typeface="Euphemia"/>
-        <a:font script="Cher" typeface="Plantagenet Cherokee"/>
-        <a:font script="Yiii" typeface="Microsoft Yi Baiti"/>
-        <a:font script="Tibt" typeface="Microsoft Himalaya"/>
-        <a:font script="Thaa" typeface="MV Boli"/>
-        <a:font script="Deva" typeface="Mangal"/>
-        <a:font script="Telu" typeface="Gautami"/>
-        <a:font script="Taml" typeface="Latha"/>
-        <a:font script="Syrc" typeface="Estrangelo Edessa"/>
-        <a:font script="Orya" typeface="Kalinga"/>
-        <a:font script="Mlym" typeface="Kartika"/>
-        <a:font script="Laoo" typeface="DokChampa"/>
-        <a:font script="Sinh" typeface="Iskoola Pota"/>
-        <a:font script="Mong" typeface="Mongolian Baiti"/>
-        <a:font script="Viet" typeface="Arial"/>
-        <a:font script="Uigh" typeface="Microsoft Uighur"/>
-        <a:font script="Geor" typeface="Sylfaen"/>
-      </a:minorFont>
-    </a:fontScheme>
-    <a:fmtScheme name="Office">
-      <a:fillStyleLst>
-        <a:solidFill>
-          <a:schemeClr val="phClr"/>
-        </a:solidFill>
-        <a:gradFill rotWithShape="1">
-          <a:gsLst>
-            <a:gs pos="0">
-              <a:schemeClr val="phClr">
-                <a:tint val="50000"/>
-                <a:satMod val="300000"/>
-              </a:schemeClr>
-            </a:gs>
-            <a:gs pos="35000">
-              <a:schemeClr val="phClr">
-                <a:tint val="37000"/>
-                <a:satMod val="300000"/>
-              </a:schemeClr>
-            </a:gs>
-            <a:gs pos="100000">
-              <a:schemeClr val="phClr">
-                <a:tint val="15000"/>
-                <a:satMod val="350000"/>
-              </a:schemeClr>
-            </a:gs>
-          </a:gsLst>
-          <a:lin ang="16200000" scaled="1"/>
-        </a:gradFill>
-        <a:gradFill rotWithShape="1">
-          <a:gsLst>
-            <a:gs pos="0">
-              <a:schemeClr val="phClr">
-                <a:tint val="100000"/>
-                <a:shade val="100000"/>
-                <a:satMod val="130000"/>
-              </a:schemeClr>
-            </a:gs>
-            <a:gs pos="100000">
-              <a:schemeClr val="phClr">
-                <a:tint val="50000"/>
-                <a:shade val="100000"/>
-                <a:satMod val="350000"/>
-              </a:schemeClr>
-            </a:gs>
-          </a:gsLst>
-          <a:lin ang="16200000" scaled="0"/>
-        </a:gradFill>
-      </a:fillStyleLst>
-      <a:lnStyleLst>
-        <a:ln w="9525" cap="flat" cmpd="sng" algn="ctr">
-          <a:solidFill>
-            <a:schemeClr val="phClr">
-              <a:shade val="95000"/>
-              <a:satMod val="105000"/>
-            </a:schemeClr>
-          </a:solidFill>
-          <a:prstDash val="solid"/>
-        </a:ln>
-        <a:ln w="25400" cap="flat" cmpd="sng" algn="ctr">
-          <a:solidFill>
-            <a:schemeClr val="phClr"/>
-          </a:solidFill>
-          <a:prstDash val="solid"/>
-        </a:ln>
-        <a:ln w="38100" cap="flat" cmpd="sng" algn="ctr">
-          <a:solidFill>
-            <a:schemeClr val="phClr"/>
-          </a:solidFill>
-          <a:prstDash val="solid"/>
-        </a:ln>
-      </a:lnStyleLst>
-      <a:effectStyleLst>
-        <a:effectStyle>
-          <a:effectLst>
-            <a:outerShdw blurRad="40000" dist="20000" dir="5400000" rotWithShape="0">
-              <a:srgbClr val="000000">
-                <a:alpha val="38000"/>
-              </a:srgbClr>
-            </a:outerShdw>
-          </a:effectLst>
-        </a:effectStyle>
-        <a:effectStyle>
-          <a:effectLst>
-            <a:outerShdw blurRad="40000" dist="23000" dir="5400000" rotWithShape="0">
-              <a:srgbClr val="000000">
-                <a:alpha val="35000"/>
-              </a:srgbClr>
-            </a:outerShdw>
-          </a:effectLst>
-        </a:effectStyle>
-        <a:effectStyle>
-          <a:effectLst>
-            <a:outerShdw blurRad="40000" dist="23000" dir="5400000" rotWithShape="0">
-              <a:srgbClr val="000000">
-                <a:alpha val="35000"/>
-              </a:srgbClr>
-            </a:outerShdw>
-          </a:effectLst>
-          <a:scene3d>
-            <a:camera prst="orthographicFront">
-              <a:rot lat="0" lon="0" rev="0"/>
-            </a:camera>
-            <a:lightRig rig="threePt" dir="t">
-              <a:rot lat="0" lon="0" rev="1200000"/>
-            </a:lightRig>
-          </a:scene3d>
-          <a:sp3d>
-            <a:bevelT w="63500" h="25400"/>
-          </a:sp3d>
-        </a:effectStyle>
-      </a:effectStyleLst>
-      <a:bgFillStyleLst>
-        <a:solidFill>
-          <a:schemeClr val="phClr"/>
-        </a:solidFill>
-        <a:gradFill rotWithShape="1">
-          <a:gsLst>
-            <a:gs pos="0">
-              <a:schemeClr val="phClr">
-                <a:tint val="40000"/>
-                <a:satMod val="350000"/>
-              </a:schemeClr>
-            </a:gs>
-            <a:gs pos="40000">
-              <a:schemeClr val="phClr">
-                <a:tint val="45000"/>
-                <a:shade val="99000"/>
-                <a:satMod val="350000"/>
-              </a:schemeClr>
-            </a:gs>
-            <a:gs pos="100000">
-              <a:schemeClr val="phClr">
-                <a:shade val="20000"/>
-                <a:satMod val="255000"/>
-              </a:schemeClr>
-            </a:gs>
-          </a:gsLst>
-          <a:path path="circle">
-            <a:fillToRect l="50000" t="-80000" r="50000" b="180000"/>
-          </a:path>
-        </a:gradFill>
-        <a:gradFill rotWithShape="1">
-          <a:gsLst>
-            <a:gs pos="0">
-              <a:schemeClr val="phClr">
-                <a:tint val="80000"/>
-                <a:satMod val="300000"/>
-              </a:schemeClr>
-            </a:gs>
-            <a:gs pos="100000">
-              <a:schemeClr val="phClr">
-                <a:shade val="30000"/>
-                <a:satMod val="200000"/>
-              </a:schemeClr>
-            </a:gs>
-          </a:gsLst>
-          <a:path path="circle">
-            <a:fillToRect l="50000" t="50000" r="50000" b="50000"/>
-          </a:path>
-        </a:gradFill>
-      </a:bgFillStyleLst>
-    </a:fmtScheme>
-  </a:themeElements>
+  <a:objectDefaults/>
+  <a:extraClrSchemeLst/>
 </a:theme>
 </file>